--- a/Building and Deploying Web APPS using Java &Spring.pptx
+++ b/Building and Deploying Web APPS using Java &Spring.pptx
@@ -7253,11 +7253,7 @@
           <a:p>
             <a:r>
               <a:rPr lang="en-US" dirty="0" smtClean="0"/>
-              <a:t>Bhaskar Reddy </a:t>
-            </a:r>
-            <a:r>
-              <a:rPr lang="en-US" dirty="0" smtClean="0"/>
-              <a:t>Minupuri</a:t>
+              <a:t>Bhaskar Reddy Minupuri</a:t>
             </a:r>
           </a:p>
           <a:p>
@@ -7295,15 +7291,7 @@
           <a:p>
             <a:r>
               <a:rPr lang="en-US" dirty="0" smtClean="0"/>
-              <a:t>            </a:t>
-            </a:r>
-            <a:r>
-              <a:rPr lang="en-US" dirty="0" smtClean="0"/>
-              <a:t>              </a:t>
-            </a:r>
-            <a:r>
-              <a:rPr lang="en-US" dirty="0" smtClean="0"/>
-              <a:t>Sai Rohith Gorla</a:t>
+              <a:t>                          Sai Rohith Gorla</a:t>
             </a:r>
           </a:p>
           <a:p>
@@ -7317,11 +7305,7 @@
             </a:r>
             <a:r>
               <a:rPr lang="en-US" dirty="0" smtClean="0"/>
-              <a:t>  </a:t>
-            </a:r>
-            <a:r>
-              <a:rPr lang="en-US" dirty="0" smtClean="0"/>
-              <a:t>    </a:t>
+              <a:t>      </a:t>
             </a:r>
             <a:r>
               <a:rPr lang="en-US" dirty="0" smtClean="0">
@@ -7403,16 +7387,12 @@
           <a:lstStyle/>
           <a:p>
             <a:r>
-              <a:rPr lang="en-US" dirty="0" err="1" smtClean="0"/>
-              <a:t>Tarun</a:t>
-            </a:r>
-            <a:r>
               <a:rPr lang="en-US" dirty="0" smtClean="0"/>
-              <a:t> </a:t>
-            </a:r>
-            <a:r>
-              <a:rPr lang="en-US" dirty="0" err="1" smtClean="0"/>
-              <a:t>Sarpanji</a:t>
+              <a:t>Tarun </a:t>
+            </a:r>
+            <a:r>
+              <a:rPr lang="en-US" dirty="0" smtClean="0"/>
+              <a:t>Sarpanjeri</a:t>
             </a:r>
             <a:endParaRPr lang="en-US" dirty="0"/>
           </a:p>
@@ -9175,11 +9155,24 @@
           <a:p>
             <a:r>
               <a:rPr lang="en-US" dirty="0" smtClean="0"/>
-              <a:t>In this project we are using spring application </a:t>
-            </a:r>
+              <a:t>In this project we are using spring application . So we can create </a:t>
+            </a:r>
+            <a:endParaRPr lang="en-US" dirty="0"/>
+          </a:p>
+          <a:p>
             <a:r>
               <a:rPr lang="en-US" dirty="0" smtClean="0"/>
-              <a:t>. So we can create </a:t>
+              <a:t>We have Successfully run our application in Spring boot using REST services</a:t>
+            </a:r>
+          </a:p>
+          <a:p>
+            <a:r>
+              <a:rPr lang="en-US" dirty="0" smtClean="0"/>
+              <a:t>With the help of tomcat server we have hosted it locally and were able to display our </a:t>
+            </a:r>
+            <a:r>
+              <a:rPr lang="en-US" smtClean="0"/>
+              <a:t>web page.</a:t>
             </a:r>
             <a:endParaRPr lang="en-US" dirty="0" smtClean="0"/>
           </a:p>

--- a/Building and Deploying Web APPS using Java &Spring.pptx
+++ b/Building and Deploying Web APPS using Java &Spring.pptx
@@ -14,34 +14,36 @@
     <p:sldId id="278" r:id="rId8"/>
     <p:sldId id="276" r:id="rId9"/>
     <p:sldId id="267" r:id="rId10"/>
-    <p:sldId id="258" r:id="rId11"/>
-    <p:sldId id="279" r:id="rId12"/>
-    <p:sldId id="280" r:id="rId13"/>
-    <p:sldId id="281" r:id="rId14"/>
-    <p:sldId id="282" r:id="rId15"/>
-    <p:sldId id="283" r:id="rId16"/>
-    <p:sldId id="284" r:id="rId17"/>
-    <p:sldId id="285" r:id="rId18"/>
-    <p:sldId id="286" r:id="rId19"/>
-    <p:sldId id="287" r:id="rId20"/>
-    <p:sldId id="288" r:id="rId21"/>
-    <p:sldId id="289" r:id="rId22"/>
-    <p:sldId id="290" r:id="rId23"/>
-    <p:sldId id="291" r:id="rId24"/>
-    <p:sldId id="293" r:id="rId25"/>
-    <p:sldId id="294" r:id="rId26"/>
-    <p:sldId id="295" r:id="rId27"/>
-    <p:sldId id="260" r:id="rId28"/>
-    <p:sldId id="273" r:id="rId29"/>
-    <p:sldId id="274" r:id="rId30"/>
-    <p:sldId id="261" r:id="rId31"/>
-    <p:sldId id="277" r:id="rId32"/>
-    <p:sldId id="264" r:id="rId33"/>
-    <p:sldId id="265" r:id="rId34"/>
-    <p:sldId id="266" r:id="rId35"/>
-    <p:sldId id="268" r:id="rId36"/>
-    <p:sldId id="270" r:id="rId37"/>
-    <p:sldId id="271" r:id="rId38"/>
+    <p:sldId id="297" r:id="rId11"/>
+    <p:sldId id="296" r:id="rId12"/>
+    <p:sldId id="258" r:id="rId13"/>
+    <p:sldId id="279" r:id="rId14"/>
+    <p:sldId id="280" r:id="rId15"/>
+    <p:sldId id="281" r:id="rId16"/>
+    <p:sldId id="282" r:id="rId17"/>
+    <p:sldId id="283" r:id="rId18"/>
+    <p:sldId id="284" r:id="rId19"/>
+    <p:sldId id="285" r:id="rId20"/>
+    <p:sldId id="286" r:id="rId21"/>
+    <p:sldId id="287" r:id="rId22"/>
+    <p:sldId id="288" r:id="rId23"/>
+    <p:sldId id="289" r:id="rId24"/>
+    <p:sldId id="290" r:id="rId25"/>
+    <p:sldId id="291" r:id="rId26"/>
+    <p:sldId id="293" r:id="rId27"/>
+    <p:sldId id="294" r:id="rId28"/>
+    <p:sldId id="295" r:id="rId29"/>
+    <p:sldId id="260" r:id="rId30"/>
+    <p:sldId id="273" r:id="rId31"/>
+    <p:sldId id="274" r:id="rId32"/>
+    <p:sldId id="261" r:id="rId33"/>
+    <p:sldId id="277" r:id="rId34"/>
+    <p:sldId id="264" r:id="rId35"/>
+    <p:sldId id="265" r:id="rId36"/>
+    <p:sldId id="266" r:id="rId37"/>
+    <p:sldId id="268" r:id="rId38"/>
+    <p:sldId id="270" r:id="rId39"/>
+    <p:sldId id="271" r:id="rId40"/>
   </p:sldIdLst>
   <p:sldSz cx="12192000" cy="6858000"/>
   <p:notesSz cx="6858000" cy="9144000"/>
@@ -6315,6 +6317,204 @@
             <p:ph type="title"/>
           </p:nvPr>
         </p:nvSpPr>
+        <p:spPr/>
+        <p:txBody>
+          <a:bodyPr/>
+          <a:lstStyle/>
+          <a:p>
+            <a:r>
+              <a:rPr lang="en-US" dirty="0" smtClean="0"/>
+              <a:t>Spring Boot</a:t>
+            </a:r>
+            <a:br>
+              <a:rPr lang="en-US" dirty="0" smtClean="0"/>
+            </a:br>
+            <a:endParaRPr lang="en-US" dirty="0"/>
+          </a:p>
+        </p:txBody>
+      </p:sp>
+      <p:sp>
+        <p:nvSpPr>
+          <p:cNvPr id="3" name="Content Placeholder 2"/>
+          <p:cNvSpPr>
+            <a:spLocks noGrp="1"/>
+          </p:cNvSpPr>
+          <p:nvPr>
+            <p:ph idx="1"/>
+          </p:nvPr>
+        </p:nvSpPr>
+        <p:spPr/>
+        <p:txBody>
+          <a:bodyPr/>
+          <a:lstStyle/>
+          <a:p>
+            <a:r>
+              <a:rPr lang="en-US" dirty="0"/>
+              <a:t>Spring Boot makes it easy to create stand-alone, production-grade Spring based Applications that you can "just run".</a:t>
+            </a:r>
+          </a:p>
+          <a:p>
+            <a:r>
+              <a:rPr lang="en-US" dirty="0"/>
+              <a:t>We take an opinionated view of the Spring platform and third-party libraries Most Spring Boot applications need minimal Spring configuration.</a:t>
+            </a:r>
+          </a:p>
+          <a:p>
+            <a:r>
+              <a:rPr lang="en-US" dirty="0"/>
+              <a:t>Spring boot is tool which lets us create spring based application</a:t>
+            </a:r>
+            <a:endParaRPr lang="en-US" dirty="0"/>
+          </a:p>
+        </p:txBody>
+      </p:sp>
+    </p:spTree>
+    <p:extLst>
+      <p:ext uri="{BB962C8B-B14F-4D97-AF65-F5344CB8AC3E}">
+        <p14:creationId xmlns:p14="http://schemas.microsoft.com/office/powerpoint/2010/main" val="2862152395"/>
+      </p:ext>
+    </p:extLst>
+  </p:cSld>
+  <p:clrMapOvr>
+    <a:masterClrMapping/>
+  </p:clrMapOvr>
+</p:sld>
+</file>
+
+<file path=ppt/slides/slide11.xml><?xml version="1.0" encoding="utf-8"?>
+<p:sld xmlns:a="http://schemas.openxmlformats.org/drawingml/2006/main" xmlns:r="http://schemas.openxmlformats.org/officeDocument/2006/relationships" xmlns:p="http://schemas.openxmlformats.org/presentationml/2006/main">
+  <p:cSld>
+    <p:spTree>
+      <p:nvGrpSpPr>
+        <p:cNvPr id="1" name=""/>
+        <p:cNvGrpSpPr/>
+        <p:nvPr/>
+      </p:nvGrpSpPr>
+      <p:grpSpPr>
+        <a:xfrm>
+          <a:off x="0" y="0"/>
+          <a:ext cx="0" cy="0"/>
+          <a:chOff x="0" y="0"/>
+          <a:chExt cx="0" cy="0"/>
+        </a:xfrm>
+      </p:grpSpPr>
+      <p:sp>
+        <p:nvSpPr>
+          <p:cNvPr id="3" name="Content Placeholder 2"/>
+          <p:cNvSpPr>
+            <a:spLocks noGrp="1"/>
+          </p:cNvSpPr>
+          <p:nvPr>
+            <p:ph idx="1"/>
+          </p:nvPr>
+        </p:nvSpPr>
+        <p:spPr>
+          <a:xfrm>
+            <a:off x="1484310" y="-522513"/>
+            <a:ext cx="10018713" cy="6313714"/>
+          </a:xfrm>
+        </p:spPr>
+        <p:txBody>
+          <a:bodyPr/>
+          <a:lstStyle/>
+          <a:p>
+            <a:pPr marL="0" indent="0">
+              <a:buNone/>
+            </a:pPr>
+            <a:r>
+              <a:rPr lang="en-US" dirty="0"/>
+              <a:t> </a:t>
+            </a:r>
+            <a:r>
+              <a:rPr lang="en-US" sz="3600" b="1" dirty="0"/>
+              <a:t>Features</a:t>
+            </a:r>
+          </a:p>
+          <a:p>
+            <a:pPr marL="0" indent="0">
+              <a:buNone/>
+            </a:pPr>
+            <a:endParaRPr lang="en-US" dirty="0"/>
+          </a:p>
+          <a:p>
+            <a:r>
+              <a:rPr lang="en-US" dirty="0"/>
+              <a:t>Create stand-alone Spring applications</a:t>
+            </a:r>
+          </a:p>
+          <a:p>
+            <a:r>
+              <a:rPr lang="en-US" dirty="0"/>
+              <a:t>Embed Tomcat, Jetty or Undertow directly (no need to deploy WAR files)</a:t>
+            </a:r>
+          </a:p>
+          <a:p>
+            <a:r>
+              <a:rPr lang="en-US" dirty="0"/>
+              <a:t>Provide opinionated 'starter' dependencies to simplify your build configuration</a:t>
+            </a:r>
+          </a:p>
+          <a:p>
+            <a:r>
+              <a:rPr lang="en-US" dirty="0"/>
+              <a:t>Automatically configure Spring and 3rd party libraries whenever possible</a:t>
+            </a:r>
+          </a:p>
+          <a:p>
+            <a:r>
+              <a:rPr lang="en-US" dirty="0"/>
+              <a:t>Provide production-ready features such as metrics, health checks, and externalized configuration</a:t>
+            </a:r>
+          </a:p>
+          <a:p>
+            <a:r>
+              <a:rPr lang="en-US"/>
+              <a:t>Absolutely no code generation and no requirement for XML configuration</a:t>
+            </a:r>
+            <a:endParaRPr lang="en-US" dirty="0"/>
+          </a:p>
+        </p:txBody>
+      </p:sp>
+    </p:spTree>
+    <p:extLst>
+      <p:ext uri="{BB962C8B-B14F-4D97-AF65-F5344CB8AC3E}">
+        <p14:creationId xmlns:p14="http://schemas.microsoft.com/office/powerpoint/2010/main" val="602544165"/>
+      </p:ext>
+    </p:extLst>
+  </p:cSld>
+  <p:clrMapOvr>
+    <a:masterClrMapping/>
+  </p:clrMapOvr>
+</p:sld>
+</file>
+
+<file path=ppt/slides/slide12.xml><?xml version="1.0" encoding="utf-8"?>
+<p:sld xmlns:a="http://schemas.openxmlformats.org/drawingml/2006/main" xmlns:r="http://schemas.openxmlformats.org/officeDocument/2006/relationships" xmlns:p="http://schemas.openxmlformats.org/presentationml/2006/main">
+  <p:cSld>
+    <p:spTree>
+      <p:nvGrpSpPr>
+        <p:cNvPr id="1" name=""/>
+        <p:cNvGrpSpPr/>
+        <p:nvPr/>
+      </p:nvGrpSpPr>
+      <p:grpSpPr>
+        <a:xfrm>
+          <a:off x="0" y="0"/>
+          <a:ext cx="0" cy="0"/>
+          <a:chOff x="0" y="0"/>
+          <a:chExt cx="0" cy="0"/>
+        </a:xfrm>
+      </p:grpSpPr>
+      <p:sp>
+        <p:nvSpPr>
+          <p:cNvPr id="2" name="Title 1"/>
+          <p:cNvSpPr>
+            <a:spLocks noGrp="1"/>
+          </p:cNvSpPr>
+          <p:nvPr>
+            <p:ph type="title"/>
+          </p:nvPr>
+        </p:nvSpPr>
         <p:spPr>
           <a:xfrm>
             <a:off x="1484311" y="195944"/>
@@ -6553,7 +6753,7 @@
 </p:sld>
 </file>
 
-<file path=ppt/slides/slide11.xml><?xml version="1.0" encoding="utf-8"?>
+<file path=ppt/slides/slide13.xml><?xml version="1.0" encoding="utf-8"?>
 <p:sld xmlns:a="http://schemas.openxmlformats.org/drawingml/2006/main" xmlns:r="http://schemas.openxmlformats.org/officeDocument/2006/relationships" xmlns:p="http://schemas.openxmlformats.org/presentationml/2006/main">
   <p:cSld>
     <p:spTree>
@@ -6612,7 +6812,7 @@
 </p:sld>
 </file>
 
-<file path=ppt/slides/slide12.xml><?xml version="1.0" encoding="utf-8"?>
+<file path=ppt/slides/slide14.xml><?xml version="1.0" encoding="utf-8"?>
 <p:sld xmlns:a="http://schemas.openxmlformats.org/drawingml/2006/main" xmlns:r="http://schemas.openxmlformats.org/officeDocument/2006/relationships" xmlns:p="http://schemas.openxmlformats.org/presentationml/2006/main">
   <p:cSld>
     <p:spTree>
@@ -6671,7 +6871,7 @@
 </p:sld>
 </file>
 
-<file path=ppt/slides/slide13.xml><?xml version="1.0" encoding="utf-8"?>
+<file path=ppt/slides/slide15.xml><?xml version="1.0" encoding="utf-8"?>
 <p:sld xmlns:a="http://schemas.openxmlformats.org/drawingml/2006/main" xmlns:r="http://schemas.openxmlformats.org/officeDocument/2006/relationships" xmlns:p="http://schemas.openxmlformats.org/presentationml/2006/main">
   <p:cSld>
     <p:spTree>
@@ -6730,7 +6930,7 @@
 </p:sld>
 </file>
 
-<file path=ppt/slides/slide14.xml><?xml version="1.0" encoding="utf-8"?>
+<file path=ppt/slides/slide16.xml><?xml version="1.0" encoding="utf-8"?>
 <p:sld xmlns:a="http://schemas.openxmlformats.org/drawingml/2006/main" xmlns:r="http://schemas.openxmlformats.org/officeDocument/2006/relationships" xmlns:p="http://schemas.openxmlformats.org/presentationml/2006/main">
   <p:cSld>
     <p:spTree>
@@ -6789,7 +6989,7 @@
 </p:sld>
 </file>
 
-<file path=ppt/slides/slide15.xml><?xml version="1.0" encoding="utf-8"?>
+<file path=ppt/slides/slide17.xml><?xml version="1.0" encoding="utf-8"?>
 <p:sld xmlns:a="http://schemas.openxmlformats.org/drawingml/2006/main" xmlns:r="http://schemas.openxmlformats.org/officeDocument/2006/relationships" xmlns:p="http://schemas.openxmlformats.org/presentationml/2006/main">
   <p:cSld>
     <p:spTree>
@@ -6848,7 +7048,7 @@
 </p:sld>
 </file>
 
-<file path=ppt/slides/slide16.xml><?xml version="1.0" encoding="utf-8"?>
+<file path=ppt/slides/slide18.xml><?xml version="1.0" encoding="utf-8"?>
 <p:sld xmlns:a="http://schemas.openxmlformats.org/drawingml/2006/main" xmlns:r="http://schemas.openxmlformats.org/officeDocument/2006/relationships" xmlns:p="http://schemas.openxmlformats.org/presentationml/2006/main">
   <p:cSld>
     <p:spTree>
@@ -6907,7 +7107,7 @@
 </p:sld>
 </file>
 
-<file path=ppt/slides/slide17.xml><?xml version="1.0" encoding="utf-8"?>
+<file path=ppt/slides/slide19.xml><?xml version="1.0" encoding="utf-8"?>
 <p:sld xmlns:a="http://schemas.openxmlformats.org/drawingml/2006/main" xmlns:r="http://schemas.openxmlformats.org/officeDocument/2006/relationships" xmlns:p="http://schemas.openxmlformats.org/presentationml/2006/main">
   <p:cSld>
     <p:spTree>
@@ -6957,124 +7157,6 @@
     <p:extLst>
       <p:ext uri="{BB962C8B-B14F-4D97-AF65-F5344CB8AC3E}">
         <p14:creationId xmlns:p14="http://schemas.microsoft.com/office/powerpoint/2010/main" val="4097313180"/>
-      </p:ext>
-    </p:extLst>
-  </p:cSld>
-  <p:clrMapOvr>
-    <a:masterClrMapping/>
-  </p:clrMapOvr>
-</p:sld>
-</file>
-
-<file path=ppt/slides/slide18.xml><?xml version="1.0" encoding="utf-8"?>
-<p:sld xmlns:a="http://schemas.openxmlformats.org/drawingml/2006/main" xmlns:r="http://schemas.openxmlformats.org/officeDocument/2006/relationships" xmlns:p="http://schemas.openxmlformats.org/presentationml/2006/main">
-  <p:cSld>
-    <p:spTree>
-      <p:nvGrpSpPr>
-        <p:cNvPr id="1" name=""/>
-        <p:cNvGrpSpPr/>
-        <p:nvPr/>
-      </p:nvGrpSpPr>
-      <p:grpSpPr>
-        <a:xfrm>
-          <a:off x="0" y="0"/>
-          <a:ext cx="0" cy="0"/>
-          <a:chOff x="0" y="0"/>
-          <a:chExt cx="0" cy="0"/>
-        </a:xfrm>
-      </p:grpSpPr>
-      <p:pic>
-        <p:nvPicPr>
-          <p:cNvPr id="4" name="Content Placeholder 3"/>
-          <p:cNvPicPr>
-            <a:picLocks noGrp="1" noChangeAspect="1"/>
-          </p:cNvPicPr>
-          <p:nvPr>
-            <p:ph idx="1"/>
-          </p:nvPr>
-        </p:nvPicPr>
-        <p:blipFill>
-          <a:blip r:embed="rId2">
-            <a:extLst>
-              <a:ext uri="{28A0092B-C50C-407E-A947-70E740481C1C}">
-                <a14:useLocalDpi xmlns:a14="http://schemas.microsoft.com/office/drawing/2010/main" val="0"/>
-              </a:ext>
-            </a:extLst>
-          </a:blip>
-          <a:stretch>
-            <a:fillRect/>
-          </a:stretch>
-        </p:blipFill>
-        <p:spPr>
-          <a:xfrm>
-            <a:off x="1484313" y="-11491"/>
-            <a:ext cx="10612437" cy="5966582"/>
-          </a:xfrm>
-        </p:spPr>
-      </p:pic>
-    </p:spTree>
-    <p:extLst>
-      <p:ext uri="{BB962C8B-B14F-4D97-AF65-F5344CB8AC3E}">
-        <p14:creationId xmlns:p14="http://schemas.microsoft.com/office/powerpoint/2010/main" val="1847708957"/>
-      </p:ext>
-    </p:extLst>
-  </p:cSld>
-  <p:clrMapOvr>
-    <a:masterClrMapping/>
-  </p:clrMapOvr>
-</p:sld>
-</file>
-
-<file path=ppt/slides/slide19.xml><?xml version="1.0" encoding="utf-8"?>
-<p:sld xmlns:a="http://schemas.openxmlformats.org/drawingml/2006/main" xmlns:r="http://schemas.openxmlformats.org/officeDocument/2006/relationships" xmlns:p="http://schemas.openxmlformats.org/presentationml/2006/main">
-  <p:cSld>
-    <p:spTree>
-      <p:nvGrpSpPr>
-        <p:cNvPr id="1" name=""/>
-        <p:cNvGrpSpPr/>
-        <p:nvPr/>
-      </p:nvGrpSpPr>
-      <p:grpSpPr>
-        <a:xfrm>
-          <a:off x="0" y="0"/>
-          <a:ext cx="0" cy="0"/>
-          <a:chOff x="0" y="0"/>
-          <a:chExt cx="0" cy="0"/>
-        </a:xfrm>
-      </p:grpSpPr>
-      <p:pic>
-        <p:nvPicPr>
-          <p:cNvPr id="4" name="Content Placeholder 3"/>
-          <p:cNvPicPr>
-            <a:picLocks noGrp="1" noChangeAspect="1"/>
-          </p:cNvPicPr>
-          <p:nvPr>
-            <p:ph idx="1"/>
-          </p:nvPr>
-        </p:nvPicPr>
-        <p:blipFill>
-          <a:blip r:embed="rId2">
-            <a:extLst>
-              <a:ext uri="{28A0092B-C50C-407E-A947-70E740481C1C}">
-                <a14:useLocalDpi xmlns:a14="http://schemas.microsoft.com/office/drawing/2010/main" val="0"/>
-              </a:ext>
-            </a:extLst>
-          </a:blip>
-          <a:stretch>
-            <a:fillRect/>
-          </a:stretch>
-        </p:blipFill>
-        <p:spPr>
-          <a:xfrm>
-            <a:off x="3432697" y="182563"/>
-            <a:ext cx="6121943" cy="5608637"/>
-          </a:xfrm>
-        </p:spPr>
-      </p:pic>
-    </p:spTree>
-    <p:extLst>
-      <p:ext uri="{BB962C8B-B14F-4D97-AF65-F5344CB8AC3E}">
-        <p14:creationId xmlns:p14="http://schemas.microsoft.com/office/powerpoint/2010/main" val="62289857"/>
       </p:ext>
     </p:extLst>
   </p:cSld>
@@ -7388,11 +7470,7 @@
           <a:p>
             <a:r>
               <a:rPr lang="en-US" dirty="0" smtClean="0"/>
-              <a:t>Tarun </a:t>
-            </a:r>
-            <a:r>
-              <a:rPr lang="en-US" dirty="0" smtClean="0"/>
-              <a:t>Sarpanjeri</a:t>
+              <a:t>Tarun Sarpanjeri</a:t>
             </a:r>
             <a:endParaRPr lang="en-US" dirty="0"/>
           </a:p>
@@ -7459,6 +7537,124 @@
         </p:blipFill>
         <p:spPr>
           <a:xfrm>
+            <a:off x="1484313" y="-11491"/>
+            <a:ext cx="10612437" cy="5966582"/>
+          </a:xfrm>
+        </p:spPr>
+      </p:pic>
+    </p:spTree>
+    <p:extLst>
+      <p:ext uri="{BB962C8B-B14F-4D97-AF65-F5344CB8AC3E}">
+        <p14:creationId xmlns:p14="http://schemas.microsoft.com/office/powerpoint/2010/main" val="1847708957"/>
+      </p:ext>
+    </p:extLst>
+  </p:cSld>
+  <p:clrMapOvr>
+    <a:masterClrMapping/>
+  </p:clrMapOvr>
+</p:sld>
+</file>
+
+<file path=ppt/slides/slide21.xml><?xml version="1.0" encoding="utf-8"?>
+<p:sld xmlns:a="http://schemas.openxmlformats.org/drawingml/2006/main" xmlns:r="http://schemas.openxmlformats.org/officeDocument/2006/relationships" xmlns:p="http://schemas.openxmlformats.org/presentationml/2006/main">
+  <p:cSld>
+    <p:spTree>
+      <p:nvGrpSpPr>
+        <p:cNvPr id="1" name=""/>
+        <p:cNvGrpSpPr/>
+        <p:nvPr/>
+      </p:nvGrpSpPr>
+      <p:grpSpPr>
+        <a:xfrm>
+          <a:off x="0" y="0"/>
+          <a:ext cx="0" cy="0"/>
+          <a:chOff x="0" y="0"/>
+          <a:chExt cx="0" cy="0"/>
+        </a:xfrm>
+      </p:grpSpPr>
+      <p:pic>
+        <p:nvPicPr>
+          <p:cNvPr id="4" name="Content Placeholder 3"/>
+          <p:cNvPicPr>
+            <a:picLocks noGrp="1" noChangeAspect="1"/>
+          </p:cNvPicPr>
+          <p:nvPr>
+            <p:ph idx="1"/>
+          </p:nvPr>
+        </p:nvPicPr>
+        <p:blipFill>
+          <a:blip r:embed="rId2">
+            <a:extLst>
+              <a:ext uri="{28A0092B-C50C-407E-A947-70E740481C1C}">
+                <a14:useLocalDpi xmlns:a14="http://schemas.microsoft.com/office/drawing/2010/main" val="0"/>
+              </a:ext>
+            </a:extLst>
+          </a:blip>
+          <a:stretch>
+            <a:fillRect/>
+          </a:stretch>
+        </p:blipFill>
+        <p:spPr>
+          <a:xfrm>
+            <a:off x="3432697" y="182563"/>
+            <a:ext cx="6121943" cy="5608637"/>
+          </a:xfrm>
+        </p:spPr>
+      </p:pic>
+    </p:spTree>
+    <p:extLst>
+      <p:ext uri="{BB962C8B-B14F-4D97-AF65-F5344CB8AC3E}">
+        <p14:creationId xmlns:p14="http://schemas.microsoft.com/office/powerpoint/2010/main" val="62289857"/>
+      </p:ext>
+    </p:extLst>
+  </p:cSld>
+  <p:clrMapOvr>
+    <a:masterClrMapping/>
+  </p:clrMapOvr>
+</p:sld>
+</file>
+
+<file path=ppt/slides/slide22.xml><?xml version="1.0" encoding="utf-8"?>
+<p:sld xmlns:a="http://schemas.openxmlformats.org/drawingml/2006/main" xmlns:r="http://schemas.openxmlformats.org/officeDocument/2006/relationships" xmlns:p="http://schemas.openxmlformats.org/presentationml/2006/main">
+  <p:cSld>
+    <p:spTree>
+      <p:nvGrpSpPr>
+        <p:cNvPr id="1" name=""/>
+        <p:cNvGrpSpPr/>
+        <p:nvPr/>
+      </p:nvGrpSpPr>
+      <p:grpSpPr>
+        <a:xfrm>
+          <a:off x="0" y="0"/>
+          <a:ext cx="0" cy="0"/>
+          <a:chOff x="0" y="0"/>
+          <a:chExt cx="0" cy="0"/>
+        </a:xfrm>
+      </p:grpSpPr>
+      <p:pic>
+        <p:nvPicPr>
+          <p:cNvPr id="4" name="Content Placeholder 3"/>
+          <p:cNvPicPr>
+            <a:picLocks noGrp="1" noChangeAspect="1"/>
+          </p:cNvPicPr>
+          <p:nvPr>
+            <p:ph idx="1"/>
+          </p:nvPr>
+        </p:nvPicPr>
+        <p:blipFill>
+          <a:blip r:embed="rId2">
+            <a:extLst>
+              <a:ext uri="{28A0092B-C50C-407E-A947-70E740481C1C}">
+                <a14:useLocalDpi xmlns:a14="http://schemas.microsoft.com/office/drawing/2010/main" val="0"/>
+              </a:ext>
+            </a:extLst>
+          </a:blip>
+          <a:stretch>
+            <a:fillRect/>
+          </a:stretch>
+        </p:blipFill>
+        <p:spPr>
+          <a:xfrm>
             <a:off x="1484313" y="612612"/>
             <a:ext cx="10018712" cy="5632775"/>
           </a:xfrm>
@@ -7477,7 +7673,7 @@
 </p:sld>
 </file>
 
-<file path=ppt/slides/slide21.xml><?xml version="1.0" encoding="utf-8"?>
+<file path=ppt/slides/slide23.xml><?xml version="1.0" encoding="utf-8"?>
 <p:sld xmlns:a="http://schemas.openxmlformats.org/drawingml/2006/main" xmlns:r="http://schemas.openxmlformats.org/officeDocument/2006/relationships" xmlns:p="http://schemas.openxmlformats.org/presentationml/2006/main">
   <p:cSld>
     <p:spTree>
@@ -7536,7 +7732,7 @@
 </p:sld>
 </file>
 
-<file path=ppt/slides/slide22.xml><?xml version="1.0" encoding="utf-8"?>
+<file path=ppt/slides/slide24.xml><?xml version="1.0" encoding="utf-8"?>
 <p:sld xmlns:a="http://schemas.openxmlformats.org/drawingml/2006/main" xmlns:r="http://schemas.openxmlformats.org/officeDocument/2006/relationships" xmlns:p="http://schemas.openxmlformats.org/presentationml/2006/main">
   <p:cSld>
     <p:spTree>
@@ -7595,7 +7791,7 @@
 </p:sld>
 </file>
 
-<file path=ppt/slides/slide23.xml><?xml version="1.0" encoding="utf-8"?>
+<file path=ppt/slides/slide25.xml><?xml version="1.0" encoding="utf-8"?>
 <p:sld xmlns:a="http://schemas.openxmlformats.org/drawingml/2006/main" xmlns:r="http://schemas.openxmlformats.org/officeDocument/2006/relationships" xmlns:p="http://schemas.openxmlformats.org/presentationml/2006/main">
   <p:cSld>
     <p:spTree>
@@ -7654,7 +7850,7 @@
 </p:sld>
 </file>
 
-<file path=ppt/slides/slide24.xml><?xml version="1.0" encoding="utf-8"?>
+<file path=ppt/slides/slide26.xml><?xml version="1.0" encoding="utf-8"?>
 <p:sld xmlns:a="http://schemas.openxmlformats.org/drawingml/2006/main" xmlns:r="http://schemas.openxmlformats.org/officeDocument/2006/relationships" xmlns:p="http://schemas.openxmlformats.org/presentationml/2006/main">
   <p:cSld>
     <p:spTree>
@@ -7713,7 +7909,7 @@
 </p:sld>
 </file>
 
-<file path=ppt/slides/slide25.xml><?xml version="1.0" encoding="utf-8"?>
+<file path=ppt/slides/slide27.xml><?xml version="1.0" encoding="utf-8"?>
 <p:sld xmlns:a="http://schemas.openxmlformats.org/drawingml/2006/main" xmlns:r="http://schemas.openxmlformats.org/officeDocument/2006/relationships" xmlns:p="http://schemas.openxmlformats.org/presentationml/2006/main">
   <p:cSld>
     <p:spTree>
@@ -7772,7 +7968,7 @@
 </p:sld>
 </file>
 
-<file path=ppt/slides/slide26.xml><?xml version="1.0" encoding="utf-8"?>
+<file path=ppt/slides/slide28.xml><?xml version="1.0" encoding="utf-8"?>
 <p:sld xmlns:a="http://schemas.openxmlformats.org/drawingml/2006/main" xmlns:r="http://schemas.openxmlformats.org/officeDocument/2006/relationships" xmlns:p="http://schemas.openxmlformats.org/presentationml/2006/main">
   <p:cSld>
     <p:spTree>
@@ -7831,7 +8027,7 @@
 </p:sld>
 </file>
 
-<file path=ppt/slides/slide27.xml><?xml version="1.0" encoding="utf-8"?>
+<file path=ppt/slides/slide29.xml><?xml version="1.0" encoding="utf-8"?>
 <p:sld xmlns:a="http://schemas.openxmlformats.org/drawingml/2006/main" xmlns:r="http://schemas.openxmlformats.org/officeDocument/2006/relationships" xmlns:p="http://schemas.openxmlformats.org/presentationml/2006/main">
   <p:cSld>
     <p:spTree>
@@ -7931,280 +8127,6 @@
     <p:extLst>
       <p:ext uri="{BB962C8B-B14F-4D97-AF65-F5344CB8AC3E}">
         <p14:creationId xmlns:p14="http://schemas.microsoft.com/office/powerpoint/2010/main" val="3316117273"/>
-      </p:ext>
-    </p:extLst>
-  </p:cSld>
-  <p:clrMapOvr>
-    <a:masterClrMapping/>
-  </p:clrMapOvr>
-</p:sld>
-</file>
-
-<file path=ppt/slides/slide28.xml><?xml version="1.0" encoding="utf-8"?>
-<p:sld xmlns:a="http://schemas.openxmlformats.org/drawingml/2006/main" xmlns:r="http://schemas.openxmlformats.org/officeDocument/2006/relationships" xmlns:p="http://schemas.openxmlformats.org/presentationml/2006/main">
-  <p:cSld>
-    <p:spTree>
-      <p:nvGrpSpPr>
-        <p:cNvPr id="1" name=""/>
-        <p:cNvGrpSpPr/>
-        <p:nvPr/>
-      </p:nvGrpSpPr>
-      <p:grpSpPr>
-        <a:xfrm>
-          <a:off x="0" y="0"/>
-          <a:ext cx="0" cy="0"/>
-          <a:chOff x="0" y="0"/>
-          <a:chExt cx="0" cy="0"/>
-        </a:xfrm>
-      </p:grpSpPr>
-      <p:sp>
-        <p:nvSpPr>
-          <p:cNvPr id="2" name="Title 1"/>
-          <p:cNvSpPr>
-            <a:spLocks noGrp="1"/>
-          </p:cNvSpPr>
-          <p:nvPr>
-            <p:ph type="title"/>
-          </p:nvPr>
-        </p:nvSpPr>
-        <p:spPr/>
-        <p:txBody>
-          <a:bodyPr/>
-          <a:lstStyle/>
-          <a:p>
-            <a:r>
-              <a:rPr lang="en-US" dirty="0" smtClean="0"/>
-              <a:t> </a:t>
-            </a:r>
-            <a:endParaRPr lang="en-US" dirty="0"/>
-          </a:p>
-        </p:txBody>
-      </p:sp>
-      <p:pic>
-        <p:nvPicPr>
-          <p:cNvPr id="5" name="Picture Placeholder 4"/>
-          <p:cNvPicPr>
-            <a:picLocks noGrp="1" noChangeAspect="1"/>
-          </p:cNvPicPr>
-          <p:nvPr>
-            <p:ph type="pic" idx="1"/>
-          </p:nvPr>
-        </p:nvPicPr>
-        <p:blipFill>
-          <a:blip r:embed="rId2">
-            <a:extLst>
-              <a:ext uri="{28A0092B-C50C-407E-A947-70E740481C1C}">
-                <a14:useLocalDpi xmlns:a14="http://schemas.microsoft.com/office/drawing/2010/main" val="0"/>
-              </a:ext>
-            </a:extLst>
-          </a:blip>
-          <a:srcRect l="12140" r="12140"/>
-          <a:stretch>
-            <a:fillRect/>
-          </a:stretch>
-        </p:blipFill>
-        <p:spPr>
-          <a:xfrm>
-            <a:off x="7289075" y="418011"/>
-            <a:ext cx="4167052" cy="5590903"/>
-          </a:xfrm>
-        </p:spPr>
-      </p:pic>
-      <p:sp>
-        <p:nvSpPr>
-          <p:cNvPr id="4" name="Text Placeholder 3"/>
-          <p:cNvSpPr>
-            <a:spLocks noGrp="1"/>
-          </p:cNvSpPr>
-          <p:nvPr>
-            <p:ph type="body" sz="half" idx="2"/>
-          </p:nvPr>
-        </p:nvSpPr>
-        <p:spPr>
-          <a:xfrm>
-            <a:off x="1482724" y="1188720"/>
-            <a:ext cx="5426158" cy="3764279"/>
-          </a:xfrm>
-        </p:spPr>
-        <p:txBody>
-          <a:bodyPr>
-            <a:normAutofit/>
-          </a:bodyPr>
-          <a:lstStyle/>
-          <a:p>
-            <a:r>
-              <a:rPr lang="en-US" sz="2000" dirty="0">
-                <a:latin typeface="Times New Roman" panose="02020603050405020304" pitchFamily="18" charset="0"/>
-                <a:cs typeface="Times New Roman" panose="02020603050405020304" pitchFamily="18" charset="0"/>
-              </a:rPr>
-              <a:t>Service URL It is a simple client server architecture which various UI clients such as Spring Boot CLI , IDE or official web UI talk to the same backend HTTP API that actually generates the spring starter project. </a:t>
-            </a:r>
-            <a:r>
-              <a:rPr lang="en-US" sz="2000" dirty="0" smtClean="0">
-                <a:latin typeface="Times New Roman" panose="02020603050405020304" pitchFamily="18" charset="0"/>
-                <a:cs typeface="Times New Roman" panose="02020603050405020304" pitchFamily="18" charset="0"/>
-              </a:rPr>
-              <a:t>is the spring initialization</a:t>
-            </a:r>
-          </a:p>
-          <a:p>
-            <a:r>
-              <a:rPr lang="en-US" sz="2000" dirty="0" smtClean="0">
-                <a:latin typeface="Times New Roman" panose="02020603050405020304" pitchFamily="18" charset="0"/>
-                <a:cs typeface="Times New Roman" panose="02020603050405020304" pitchFamily="18" charset="0"/>
-              </a:rPr>
-              <a:t>Name of the group.</a:t>
-            </a:r>
-          </a:p>
-          <a:p>
-            <a:r>
-              <a:rPr lang="en-US" sz="2000" dirty="0" smtClean="0">
-                <a:latin typeface="Times New Roman" panose="02020603050405020304" pitchFamily="18" charset="0"/>
-                <a:cs typeface="Times New Roman" panose="02020603050405020304" pitchFamily="18" charset="0"/>
-              </a:rPr>
-              <a:t>Package name and the group name have to be same.</a:t>
-            </a:r>
-          </a:p>
-          <a:p>
-            <a:endParaRPr lang="en-US" sz="2000" dirty="0">
-              <a:latin typeface="Times New Roman" panose="02020603050405020304" pitchFamily="18" charset="0"/>
-              <a:cs typeface="Times New Roman" panose="02020603050405020304" pitchFamily="18" charset="0"/>
-            </a:endParaRPr>
-          </a:p>
-        </p:txBody>
-      </p:sp>
-    </p:spTree>
-    <p:extLst>
-      <p:ext uri="{BB962C8B-B14F-4D97-AF65-F5344CB8AC3E}">
-        <p14:creationId xmlns:p14="http://schemas.microsoft.com/office/powerpoint/2010/main" val="3220321360"/>
-      </p:ext>
-    </p:extLst>
-  </p:cSld>
-  <p:clrMapOvr>
-    <a:masterClrMapping/>
-  </p:clrMapOvr>
-</p:sld>
-</file>
-
-<file path=ppt/slides/slide29.xml><?xml version="1.0" encoding="utf-8"?>
-<p:sld xmlns:a="http://schemas.openxmlformats.org/drawingml/2006/main" xmlns:r="http://schemas.openxmlformats.org/officeDocument/2006/relationships" xmlns:p="http://schemas.openxmlformats.org/presentationml/2006/main">
-  <p:cSld>
-    <p:spTree>
-      <p:nvGrpSpPr>
-        <p:cNvPr id="1" name=""/>
-        <p:cNvGrpSpPr/>
-        <p:nvPr/>
-      </p:nvGrpSpPr>
-      <p:grpSpPr>
-        <a:xfrm>
-          <a:off x="0" y="0"/>
-          <a:ext cx="0" cy="0"/>
-          <a:chOff x="0" y="0"/>
-          <a:chExt cx="0" cy="0"/>
-        </a:xfrm>
-      </p:grpSpPr>
-      <p:sp>
-        <p:nvSpPr>
-          <p:cNvPr id="9" name="Title 8"/>
-          <p:cNvSpPr>
-            <a:spLocks noGrp="1"/>
-          </p:cNvSpPr>
-          <p:nvPr>
-            <p:ph type="title"/>
-          </p:nvPr>
-        </p:nvSpPr>
-        <p:spPr/>
-        <p:txBody>
-          <a:bodyPr/>
-          <a:lstStyle/>
-          <a:p>
-            <a:r>
-              <a:rPr lang="en-US" dirty="0" smtClean="0"/>
-              <a:t> </a:t>
-            </a:r>
-            <a:endParaRPr lang="en-US" dirty="0"/>
-          </a:p>
-        </p:txBody>
-      </p:sp>
-      <p:pic>
-        <p:nvPicPr>
-          <p:cNvPr id="5" name="Picture Placeholder 4"/>
-          <p:cNvPicPr>
-            <a:picLocks noGrp="1" noChangeAspect="1"/>
-          </p:cNvPicPr>
-          <p:nvPr>
-            <p:ph type="pic" idx="1"/>
-          </p:nvPr>
-        </p:nvPicPr>
-        <p:blipFill>
-          <a:blip r:embed="rId2">
-            <a:extLst>
-              <a:ext uri="{28A0092B-C50C-407E-A947-70E740481C1C}">
-                <a14:useLocalDpi xmlns:a14="http://schemas.microsoft.com/office/drawing/2010/main" val="0"/>
-              </a:ext>
-            </a:extLst>
-          </a:blip>
-          <a:srcRect l="17360" r="17360"/>
-          <a:stretch>
-            <a:fillRect/>
-          </a:stretch>
-        </p:blipFill>
-        <p:spPr>
-          <a:xfrm>
-            <a:off x="7594681" y="414972"/>
-            <a:ext cx="4344770" cy="5437188"/>
-          </a:xfrm>
-        </p:spPr>
-      </p:pic>
-      <p:sp>
-        <p:nvSpPr>
-          <p:cNvPr id="10" name="Text Placeholder 9"/>
-          <p:cNvSpPr>
-            <a:spLocks noGrp="1"/>
-          </p:cNvSpPr>
-          <p:nvPr>
-            <p:ph type="body" sz="half" idx="2"/>
-          </p:nvPr>
-        </p:nvSpPr>
-        <p:spPr>
-          <a:xfrm>
-            <a:off x="1482724" y="1632857"/>
-            <a:ext cx="5426158" cy="3320142"/>
-          </a:xfrm>
-        </p:spPr>
-        <p:txBody>
-          <a:bodyPr>
-            <a:normAutofit/>
-          </a:bodyPr>
-          <a:lstStyle/>
-          <a:p>
-            <a:r>
-              <a:rPr lang="en-US" sz="2400" dirty="0" smtClean="0">
-                <a:latin typeface="Times New Roman" panose="02020603050405020304" pitchFamily="18" charset="0"/>
-                <a:cs typeface="Times New Roman" panose="02020603050405020304" pitchFamily="18" charset="0"/>
-              </a:rPr>
-              <a:t>In this we select the dependency for the spring boot project for this we have to add spring web.</a:t>
-            </a:r>
-          </a:p>
-          <a:p>
-            <a:r>
-              <a:rPr lang="en-US" sz="2400" dirty="0" smtClean="0">
-                <a:latin typeface="Times New Roman" panose="02020603050405020304" pitchFamily="18" charset="0"/>
-                <a:cs typeface="Times New Roman" panose="02020603050405020304" pitchFamily="18" charset="0"/>
-              </a:rPr>
-              <a:t>It is the implementation of Spring MVC.</a:t>
-            </a:r>
-            <a:endParaRPr lang="en-US" sz="2400" dirty="0">
-              <a:latin typeface="Times New Roman" panose="02020603050405020304" pitchFamily="18" charset="0"/>
-              <a:cs typeface="Times New Roman" panose="02020603050405020304" pitchFamily="18" charset="0"/>
-            </a:endParaRPr>
-          </a:p>
-        </p:txBody>
-      </p:sp>
-    </p:spTree>
-    <p:extLst>
-      <p:ext uri="{BB962C8B-B14F-4D97-AF65-F5344CB8AC3E}">
-        <p14:creationId xmlns:p14="http://schemas.microsoft.com/office/powerpoint/2010/main" val="3124991121"/>
       </p:ext>
     </p:extLst>
   </p:cSld>
@@ -8527,35 +8449,109 @@
           <a:p>
             <a:r>
               <a:rPr lang="en-US" dirty="0" smtClean="0"/>
-              <a:t>working</a:t>
+              <a:t> </a:t>
             </a:r>
             <a:endParaRPr lang="en-US" dirty="0"/>
           </a:p>
         </p:txBody>
       </p:sp>
-      <p:sp>
-        <p:nvSpPr>
-          <p:cNvPr id="3" name="Content Placeholder 2"/>
-          <p:cNvSpPr>
-            <a:spLocks noGrp="1"/>
-          </p:cNvSpPr>
-          <p:nvPr>
-            <p:ph idx="1"/>
-          </p:nvPr>
-        </p:nvSpPr>
-        <p:spPr/>
-        <p:txBody>
-          <a:bodyPr/>
+      <p:pic>
+        <p:nvPicPr>
+          <p:cNvPr id="5" name="Picture Placeholder 4"/>
+          <p:cNvPicPr>
+            <a:picLocks noGrp="1" noChangeAspect="1"/>
+          </p:cNvPicPr>
+          <p:nvPr>
+            <p:ph type="pic" idx="1"/>
+          </p:nvPr>
+        </p:nvPicPr>
+        <p:blipFill>
+          <a:blip r:embed="rId2">
+            <a:extLst>
+              <a:ext uri="{28A0092B-C50C-407E-A947-70E740481C1C}">
+                <a14:useLocalDpi xmlns:a14="http://schemas.microsoft.com/office/drawing/2010/main" val="0"/>
+              </a:ext>
+            </a:extLst>
+          </a:blip>
+          <a:srcRect l="12140" r="12140"/>
+          <a:stretch>
+            <a:fillRect/>
+          </a:stretch>
+        </p:blipFill>
+        <p:spPr>
+          <a:xfrm>
+            <a:off x="7289075" y="418011"/>
+            <a:ext cx="4167052" cy="5590903"/>
+          </a:xfrm>
+        </p:spPr>
+      </p:pic>
+      <p:sp>
+        <p:nvSpPr>
+          <p:cNvPr id="4" name="Text Placeholder 3"/>
+          <p:cNvSpPr>
+            <a:spLocks noGrp="1"/>
+          </p:cNvSpPr>
+          <p:nvPr>
+            <p:ph type="body" sz="half" idx="2"/>
+          </p:nvPr>
+        </p:nvSpPr>
+        <p:spPr>
+          <a:xfrm>
+            <a:off x="1482724" y="1188720"/>
+            <a:ext cx="5426158" cy="3764279"/>
+          </a:xfrm>
+        </p:spPr>
+        <p:txBody>
+          <a:bodyPr>
+            <a:normAutofit/>
+          </a:bodyPr>
           <a:lstStyle/>
           <a:p>
-            <a:endParaRPr lang="en-US"/>
+            <a:r>
+              <a:rPr lang="en-US" sz="2000" dirty="0">
+                <a:latin typeface="Times New Roman" panose="02020603050405020304" pitchFamily="18" charset="0"/>
+                <a:cs typeface="Times New Roman" panose="02020603050405020304" pitchFamily="18" charset="0"/>
+              </a:rPr>
+              <a:t>Service URL It is a simple client server architecture which various UI clients such as Spring Boot CLI , IDE or official web UI talk to the same backend HTTP API that actually generates the spring starter project. </a:t>
+            </a:r>
+            <a:r>
+              <a:rPr lang="en-US" sz="2000" dirty="0" smtClean="0">
+                <a:latin typeface="Times New Roman" panose="02020603050405020304" pitchFamily="18" charset="0"/>
+                <a:cs typeface="Times New Roman" panose="02020603050405020304" pitchFamily="18" charset="0"/>
+              </a:rPr>
+              <a:t>is the spring initialization</a:t>
+            </a:r>
+          </a:p>
+          <a:p>
+            <a:r>
+              <a:rPr lang="en-US" sz="2000" dirty="0" smtClean="0">
+                <a:latin typeface="Times New Roman" panose="02020603050405020304" pitchFamily="18" charset="0"/>
+                <a:cs typeface="Times New Roman" panose="02020603050405020304" pitchFamily="18" charset="0"/>
+              </a:rPr>
+              <a:t>Name of the group.</a:t>
+            </a:r>
+          </a:p>
+          <a:p>
+            <a:r>
+              <a:rPr lang="en-US" sz="2000" dirty="0" smtClean="0">
+                <a:latin typeface="Times New Roman" panose="02020603050405020304" pitchFamily="18" charset="0"/>
+                <a:cs typeface="Times New Roman" panose="02020603050405020304" pitchFamily="18" charset="0"/>
+              </a:rPr>
+              <a:t>Package name and the group name have to be same.</a:t>
+            </a:r>
+          </a:p>
+          <a:p>
+            <a:endParaRPr lang="en-US" sz="2000" dirty="0">
+              <a:latin typeface="Times New Roman" panose="02020603050405020304" pitchFamily="18" charset="0"/>
+              <a:cs typeface="Times New Roman" panose="02020603050405020304" pitchFamily="18" charset="0"/>
+            </a:endParaRPr>
           </a:p>
         </p:txBody>
       </p:sp>
     </p:spTree>
     <p:extLst>
       <p:ext uri="{BB962C8B-B14F-4D97-AF65-F5344CB8AC3E}">
-        <p14:creationId xmlns:p14="http://schemas.microsoft.com/office/powerpoint/2010/main" val="1581552892"/>
+        <p14:creationId xmlns:p14="http://schemas.microsoft.com/office/powerpoint/2010/main" val="3220321360"/>
       </p:ext>
     </p:extLst>
   </p:cSld>
@@ -8584,6 +8580,206 @@
       </p:grpSpPr>
       <p:sp>
         <p:nvSpPr>
+          <p:cNvPr id="9" name="Title 8"/>
+          <p:cNvSpPr>
+            <a:spLocks noGrp="1"/>
+          </p:cNvSpPr>
+          <p:nvPr>
+            <p:ph type="title"/>
+          </p:nvPr>
+        </p:nvSpPr>
+        <p:spPr/>
+        <p:txBody>
+          <a:bodyPr/>
+          <a:lstStyle/>
+          <a:p>
+            <a:r>
+              <a:rPr lang="en-US" dirty="0" smtClean="0"/>
+              <a:t> </a:t>
+            </a:r>
+            <a:endParaRPr lang="en-US" dirty="0"/>
+          </a:p>
+        </p:txBody>
+      </p:sp>
+      <p:pic>
+        <p:nvPicPr>
+          <p:cNvPr id="5" name="Picture Placeholder 4"/>
+          <p:cNvPicPr>
+            <a:picLocks noGrp="1" noChangeAspect="1"/>
+          </p:cNvPicPr>
+          <p:nvPr>
+            <p:ph type="pic" idx="1"/>
+          </p:nvPr>
+        </p:nvPicPr>
+        <p:blipFill>
+          <a:blip r:embed="rId2">
+            <a:extLst>
+              <a:ext uri="{28A0092B-C50C-407E-A947-70E740481C1C}">
+                <a14:useLocalDpi xmlns:a14="http://schemas.microsoft.com/office/drawing/2010/main" val="0"/>
+              </a:ext>
+            </a:extLst>
+          </a:blip>
+          <a:srcRect l="17360" r="17360"/>
+          <a:stretch>
+            <a:fillRect/>
+          </a:stretch>
+        </p:blipFill>
+        <p:spPr>
+          <a:xfrm>
+            <a:off x="7594681" y="414972"/>
+            <a:ext cx="4344770" cy="5437188"/>
+          </a:xfrm>
+        </p:spPr>
+      </p:pic>
+      <p:sp>
+        <p:nvSpPr>
+          <p:cNvPr id="10" name="Text Placeholder 9"/>
+          <p:cNvSpPr>
+            <a:spLocks noGrp="1"/>
+          </p:cNvSpPr>
+          <p:nvPr>
+            <p:ph type="body" sz="half" idx="2"/>
+          </p:nvPr>
+        </p:nvSpPr>
+        <p:spPr>
+          <a:xfrm>
+            <a:off x="1482724" y="1632857"/>
+            <a:ext cx="5426158" cy="3320142"/>
+          </a:xfrm>
+        </p:spPr>
+        <p:txBody>
+          <a:bodyPr>
+            <a:normAutofit/>
+          </a:bodyPr>
+          <a:lstStyle/>
+          <a:p>
+            <a:r>
+              <a:rPr lang="en-US" sz="2400" dirty="0" smtClean="0">
+                <a:latin typeface="Times New Roman" panose="02020603050405020304" pitchFamily="18" charset="0"/>
+                <a:cs typeface="Times New Roman" panose="02020603050405020304" pitchFamily="18" charset="0"/>
+              </a:rPr>
+              <a:t>In this we select the dependency for the spring boot project for this we have to add spring web.</a:t>
+            </a:r>
+          </a:p>
+          <a:p>
+            <a:r>
+              <a:rPr lang="en-US" sz="2400" dirty="0" smtClean="0">
+                <a:latin typeface="Times New Roman" panose="02020603050405020304" pitchFamily="18" charset="0"/>
+                <a:cs typeface="Times New Roman" panose="02020603050405020304" pitchFamily="18" charset="0"/>
+              </a:rPr>
+              <a:t>It is the implementation of Spring MVC.</a:t>
+            </a:r>
+            <a:endParaRPr lang="en-US" sz="2400" dirty="0">
+              <a:latin typeface="Times New Roman" panose="02020603050405020304" pitchFamily="18" charset="0"/>
+              <a:cs typeface="Times New Roman" panose="02020603050405020304" pitchFamily="18" charset="0"/>
+            </a:endParaRPr>
+          </a:p>
+        </p:txBody>
+      </p:sp>
+    </p:spTree>
+    <p:extLst>
+      <p:ext uri="{BB962C8B-B14F-4D97-AF65-F5344CB8AC3E}">
+        <p14:creationId xmlns:p14="http://schemas.microsoft.com/office/powerpoint/2010/main" val="3124991121"/>
+      </p:ext>
+    </p:extLst>
+  </p:cSld>
+  <p:clrMapOvr>
+    <a:masterClrMapping/>
+  </p:clrMapOvr>
+</p:sld>
+</file>
+
+<file path=ppt/slides/slide32.xml><?xml version="1.0" encoding="utf-8"?>
+<p:sld xmlns:a="http://schemas.openxmlformats.org/drawingml/2006/main" xmlns:r="http://schemas.openxmlformats.org/officeDocument/2006/relationships" xmlns:p="http://schemas.openxmlformats.org/presentationml/2006/main">
+  <p:cSld>
+    <p:spTree>
+      <p:nvGrpSpPr>
+        <p:cNvPr id="1" name=""/>
+        <p:cNvGrpSpPr/>
+        <p:nvPr/>
+      </p:nvGrpSpPr>
+      <p:grpSpPr>
+        <a:xfrm>
+          <a:off x="0" y="0"/>
+          <a:ext cx="0" cy="0"/>
+          <a:chOff x="0" y="0"/>
+          <a:chExt cx="0" cy="0"/>
+        </a:xfrm>
+      </p:grpSpPr>
+      <p:sp>
+        <p:nvSpPr>
+          <p:cNvPr id="2" name="Title 1"/>
+          <p:cNvSpPr>
+            <a:spLocks noGrp="1"/>
+          </p:cNvSpPr>
+          <p:nvPr>
+            <p:ph type="title"/>
+          </p:nvPr>
+        </p:nvSpPr>
+        <p:spPr/>
+        <p:txBody>
+          <a:bodyPr/>
+          <a:lstStyle/>
+          <a:p>
+            <a:r>
+              <a:rPr lang="en-US" dirty="0" smtClean="0"/>
+              <a:t>working</a:t>
+            </a:r>
+            <a:endParaRPr lang="en-US" dirty="0"/>
+          </a:p>
+        </p:txBody>
+      </p:sp>
+      <p:sp>
+        <p:nvSpPr>
+          <p:cNvPr id="3" name="Content Placeholder 2"/>
+          <p:cNvSpPr>
+            <a:spLocks noGrp="1"/>
+          </p:cNvSpPr>
+          <p:nvPr>
+            <p:ph idx="1"/>
+          </p:nvPr>
+        </p:nvSpPr>
+        <p:spPr/>
+        <p:txBody>
+          <a:bodyPr/>
+          <a:lstStyle/>
+          <a:p>
+            <a:endParaRPr lang="en-US"/>
+          </a:p>
+        </p:txBody>
+      </p:sp>
+    </p:spTree>
+    <p:extLst>
+      <p:ext uri="{BB962C8B-B14F-4D97-AF65-F5344CB8AC3E}">
+        <p14:creationId xmlns:p14="http://schemas.microsoft.com/office/powerpoint/2010/main" val="1581552892"/>
+      </p:ext>
+    </p:extLst>
+  </p:cSld>
+  <p:clrMapOvr>
+    <a:masterClrMapping/>
+  </p:clrMapOvr>
+</p:sld>
+</file>
+
+<file path=ppt/slides/slide33.xml><?xml version="1.0" encoding="utf-8"?>
+<p:sld xmlns:a="http://schemas.openxmlformats.org/drawingml/2006/main" xmlns:r="http://schemas.openxmlformats.org/officeDocument/2006/relationships" xmlns:p="http://schemas.openxmlformats.org/presentationml/2006/main">
+  <p:cSld>
+    <p:spTree>
+      <p:nvGrpSpPr>
+        <p:cNvPr id="1" name=""/>
+        <p:cNvGrpSpPr/>
+        <p:nvPr/>
+      </p:nvGrpSpPr>
+      <p:grpSpPr>
+        <a:xfrm>
+          <a:off x="0" y="0"/>
+          <a:ext cx="0" cy="0"/>
+          <a:chOff x="0" y="0"/>
+          <a:chExt cx="0" cy="0"/>
+        </a:xfrm>
+      </p:grpSpPr>
+      <p:sp>
+        <p:nvSpPr>
           <p:cNvPr id="2" name="Title 1"/>
           <p:cNvSpPr>
             <a:spLocks noGrp="1"/>
@@ -8713,7 +8909,7 @@
 </p:sld>
 </file>
 
-<file path=ppt/slides/slide32.xml><?xml version="1.0" encoding="utf-8"?>
+<file path=ppt/slides/slide34.xml><?xml version="1.0" encoding="utf-8"?>
 <p:sld xmlns:a="http://schemas.openxmlformats.org/drawingml/2006/main" xmlns:r="http://schemas.openxmlformats.org/officeDocument/2006/relationships" xmlns:p="http://schemas.openxmlformats.org/presentationml/2006/main">
   <p:cSld>
     <p:spTree>
@@ -8800,7 +8996,7 @@
 </p:sld>
 </file>
 
-<file path=ppt/slides/slide33.xml><?xml version="1.0" encoding="utf-8"?>
+<file path=ppt/slides/slide35.xml><?xml version="1.0" encoding="utf-8"?>
 <p:sld xmlns:a="http://schemas.openxmlformats.org/drawingml/2006/main" xmlns:r="http://schemas.openxmlformats.org/officeDocument/2006/relationships" xmlns:p="http://schemas.openxmlformats.org/presentationml/2006/main">
   <p:cSld>
     <p:spTree>
@@ -8886,7 +9082,7 @@
 </p:sld>
 </file>
 
-<file path=ppt/slides/slide34.xml><?xml version="1.0" encoding="utf-8"?>
+<file path=ppt/slides/slide36.xml><?xml version="1.0" encoding="utf-8"?>
 <p:sld xmlns:a="http://schemas.openxmlformats.org/drawingml/2006/main" xmlns:r="http://schemas.openxmlformats.org/officeDocument/2006/relationships" xmlns:p="http://schemas.openxmlformats.org/presentationml/2006/main">
   <p:cSld>
     <p:spTree>
@@ -8968,7 +9164,7 @@
 </p:sld>
 </file>
 
-<file path=ppt/slides/slide35.xml><?xml version="1.0" encoding="utf-8"?>
+<file path=ppt/slides/slide37.xml><?xml version="1.0" encoding="utf-8"?>
 <p:sld xmlns:a="http://schemas.openxmlformats.org/drawingml/2006/main" xmlns:r="http://schemas.openxmlformats.org/officeDocument/2006/relationships" xmlns:p="http://schemas.openxmlformats.org/presentationml/2006/main">
   <p:cSld>
     <p:spTree>
@@ -9098,7 +9294,7 @@
 </p:sld>
 </file>
 
-<file path=ppt/slides/slide36.xml><?xml version="1.0" encoding="utf-8"?>
+<file path=ppt/slides/slide38.xml><?xml version="1.0" encoding="utf-8"?>
 <p:sld xmlns:a="http://schemas.openxmlformats.org/drawingml/2006/main" xmlns:r="http://schemas.openxmlformats.org/officeDocument/2006/relationships" xmlns:p="http://schemas.openxmlformats.org/presentationml/2006/main">
   <p:cSld>
     <p:spTree>
@@ -9191,7 +9387,7 @@
 </p:sld>
 </file>
 
-<file path=ppt/slides/slide37.xml><?xml version="1.0" encoding="utf-8"?>
+<file path=ppt/slides/slide39.xml><?xml version="1.0" encoding="utf-8"?>
 <p:sld xmlns:a="http://schemas.openxmlformats.org/drawingml/2006/main" xmlns:r="http://schemas.openxmlformats.org/officeDocument/2006/relationships" xmlns:p="http://schemas.openxmlformats.org/presentationml/2006/main">
   <p:cSld>
     <p:spTree>

--- a/Building and Deploying Web APPS using Java &Spring.pptx
+++ b/Building and Deploying Web APPS using Java &Spring.pptx
@@ -17,33 +17,26 @@
     <p:sldId id="297" r:id="rId11"/>
     <p:sldId id="296" r:id="rId12"/>
     <p:sldId id="258" r:id="rId13"/>
-    <p:sldId id="279" r:id="rId14"/>
-    <p:sldId id="280" r:id="rId15"/>
-    <p:sldId id="281" r:id="rId16"/>
-    <p:sldId id="282" r:id="rId17"/>
-    <p:sldId id="283" r:id="rId18"/>
-    <p:sldId id="284" r:id="rId19"/>
-    <p:sldId id="285" r:id="rId20"/>
-    <p:sldId id="286" r:id="rId21"/>
-    <p:sldId id="287" r:id="rId22"/>
-    <p:sldId id="288" r:id="rId23"/>
-    <p:sldId id="289" r:id="rId24"/>
-    <p:sldId id="290" r:id="rId25"/>
-    <p:sldId id="291" r:id="rId26"/>
-    <p:sldId id="293" r:id="rId27"/>
-    <p:sldId id="294" r:id="rId28"/>
-    <p:sldId id="295" r:id="rId29"/>
-    <p:sldId id="260" r:id="rId30"/>
-    <p:sldId id="273" r:id="rId31"/>
-    <p:sldId id="274" r:id="rId32"/>
-    <p:sldId id="261" r:id="rId33"/>
-    <p:sldId id="277" r:id="rId34"/>
-    <p:sldId id="264" r:id="rId35"/>
-    <p:sldId id="265" r:id="rId36"/>
-    <p:sldId id="266" r:id="rId37"/>
-    <p:sldId id="268" r:id="rId38"/>
-    <p:sldId id="270" r:id="rId39"/>
-    <p:sldId id="271" r:id="rId40"/>
+    <p:sldId id="264" r:id="rId14"/>
+    <p:sldId id="265" r:id="rId15"/>
+    <p:sldId id="266" r:id="rId16"/>
+    <p:sldId id="279" r:id="rId17"/>
+    <p:sldId id="273" r:id="rId18"/>
+    <p:sldId id="274" r:id="rId19"/>
+    <p:sldId id="283" r:id="rId20"/>
+    <p:sldId id="284" r:id="rId21"/>
+    <p:sldId id="285" r:id="rId22"/>
+    <p:sldId id="286" r:id="rId23"/>
+    <p:sldId id="287" r:id="rId24"/>
+    <p:sldId id="288" r:id="rId25"/>
+    <p:sldId id="289" r:id="rId26"/>
+    <p:sldId id="290" r:id="rId27"/>
+    <p:sldId id="291" r:id="rId28"/>
+    <p:sldId id="293" r:id="rId29"/>
+    <p:sldId id="294" r:id="rId30"/>
+    <p:sldId id="295" r:id="rId31"/>
+    <p:sldId id="270" r:id="rId32"/>
+    <p:sldId id="271" r:id="rId33"/>
   </p:sldIdLst>
   <p:sldSz cx="12192000" cy="6858000"/>
   <p:notesSz cx="6858000" cy="9144000"/>
@@ -6468,10 +6461,9 @@
           </a:p>
           <a:p>
             <a:r>
-              <a:rPr lang="en-US"/>
+              <a:rPr lang="en-US" dirty="0"/>
               <a:t>Absolutely no code generation and no requirement for XML configuration</a:t>
             </a:r>
-            <a:endParaRPr lang="en-US" dirty="0"/>
           </a:p>
         </p:txBody>
       </p:sp>
@@ -6754,6 +6746,261 @@
 </file>
 
 <file path=ppt/slides/slide13.xml><?xml version="1.0" encoding="utf-8"?>
+<p:sld xmlns:a="http://schemas.openxmlformats.org/drawingml/2006/main" xmlns:r="http://schemas.openxmlformats.org/officeDocument/2006/relationships" xmlns:p="http://schemas.openxmlformats.org/presentationml/2006/main">
+  <p:cSld>
+    <p:spTree>
+      <p:nvGrpSpPr>
+        <p:cNvPr id="1" name=""/>
+        <p:cNvGrpSpPr/>
+        <p:nvPr/>
+      </p:nvGrpSpPr>
+      <p:grpSpPr>
+        <a:xfrm>
+          <a:off x="0" y="0"/>
+          <a:ext cx="0" cy="0"/>
+          <a:chOff x="0" y="0"/>
+          <a:chExt cx="0" cy="0"/>
+        </a:xfrm>
+      </p:grpSpPr>
+      <p:sp>
+        <p:nvSpPr>
+          <p:cNvPr id="7" name="Title 6"/>
+          <p:cNvSpPr>
+            <a:spLocks noGrp="1"/>
+          </p:cNvSpPr>
+          <p:nvPr>
+            <p:ph type="title"/>
+          </p:nvPr>
+        </p:nvSpPr>
+        <p:spPr>
+          <a:xfrm>
+            <a:off x="1484311" y="287383"/>
+            <a:ext cx="10018713" cy="1110344"/>
+          </a:xfrm>
+        </p:spPr>
+        <p:txBody>
+          <a:bodyPr/>
+          <a:lstStyle/>
+          <a:p>
+            <a:r>
+              <a:rPr lang="en-US" dirty="0" smtClean="0"/>
+              <a:t> Installing Spring boot in eclipse</a:t>
+            </a:r>
+            <a:endParaRPr lang="en-US" dirty="0"/>
+          </a:p>
+        </p:txBody>
+      </p:sp>
+      <p:pic>
+        <p:nvPicPr>
+          <p:cNvPr id="9" name="Content Placeholder 8"/>
+          <p:cNvPicPr>
+            <a:picLocks noGrp="1" noChangeAspect="1"/>
+          </p:cNvPicPr>
+          <p:nvPr>
+            <p:ph idx="1"/>
+          </p:nvPr>
+        </p:nvPicPr>
+        <p:blipFill>
+          <a:blip r:embed="rId2" cstate="print">
+            <a:extLst>
+              <a:ext uri="{28A0092B-C50C-407E-A947-70E740481C1C}">
+                <a14:useLocalDpi xmlns:a14="http://schemas.microsoft.com/office/drawing/2010/main" val="0"/>
+              </a:ext>
+            </a:extLst>
+          </a:blip>
+          <a:stretch>
+            <a:fillRect/>
+          </a:stretch>
+        </p:blipFill>
+        <p:spPr>
+          <a:xfrm>
+            <a:off x="2280896" y="1528355"/>
+            <a:ext cx="8425542" cy="4767942"/>
+          </a:xfrm>
+        </p:spPr>
+      </p:pic>
+    </p:spTree>
+    <p:extLst>
+      <p:ext uri="{BB962C8B-B14F-4D97-AF65-F5344CB8AC3E}">
+        <p14:creationId xmlns:p14="http://schemas.microsoft.com/office/powerpoint/2010/main" val="3828735909"/>
+      </p:ext>
+    </p:extLst>
+  </p:cSld>
+  <p:clrMapOvr>
+    <a:masterClrMapping/>
+  </p:clrMapOvr>
+</p:sld>
+</file>
+
+<file path=ppt/slides/slide14.xml><?xml version="1.0" encoding="utf-8"?>
+<p:sld xmlns:a="http://schemas.openxmlformats.org/drawingml/2006/main" xmlns:r="http://schemas.openxmlformats.org/officeDocument/2006/relationships" xmlns:p="http://schemas.openxmlformats.org/presentationml/2006/main">
+  <p:cSld>
+    <p:spTree>
+      <p:nvGrpSpPr>
+        <p:cNvPr id="1" name=""/>
+        <p:cNvGrpSpPr/>
+        <p:nvPr/>
+      </p:nvGrpSpPr>
+      <p:grpSpPr>
+        <a:xfrm>
+          <a:off x="0" y="0"/>
+          <a:ext cx="0" cy="0"/>
+          <a:chOff x="0" y="0"/>
+          <a:chExt cx="0" cy="0"/>
+        </a:xfrm>
+      </p:grpSpPr>
+      <p:sp>
+        <p:nvSpPr>
+          <p:cNvPr id="2" name="Title 1"/>
+          <p:cNvSpPr>
+            <a:spLocks noGrp="1"/>
+          </p:cNvSpPr>
+          <p:nvPr>
+            <p:ph type="title"/>
+          </p:nvPr>
+        </p:nvSpPr>
+        <p:spPr>
+          <a:xfrm>
+            <a:off x="1484311" y="391886"/>
+            <a:ext cx="10018713" cy="1084217"/>
+          </a:xfrm>
+        </p:spPr>
+        <p:txBody>
+          <a:bodyPr/>
+          <a:lstStyle/>
+          <a:p>
+            <a:r>
+              <a:rPr lang="en-US" dirty="0"/>
+              <a:t> </a:t>
+            </a:r>
+          </a:p>
+        </p:txBody>
+      </p:sp>
+      <p:pic>
+        <p:nvPicPr>
+          <p:cNvPr id="4" name="Content Placeholder 3"/>
+          <p:cNvPicPr>
+            <a:picLocks noGrp="1" noChangeAspect="1"/>
+          </p:cNvPicPr>
+          <p:nvPr>
+            <p:ph idx="1"/>
+          </p:nvPr>
+        </p:nvPicPr>
+        <p:blipFill>
+          <a:blip r:embed="rId2" cstate="print">
+            <a:extLst>
+              <a:ext uri="{28A0092B-C50C-407E-A947-70E740481C1C}">
+                <a14:useLocalDpi xmlns:a14="http://schemas.microsoft.com/office/drawing/2010/main" val="0"/>
+              </a:ext>
+            </a:extLst>
+          </a:blip>
+          <a:stretch>
+            <a:fillRect/>
+          </a:stretch>
+        </p:blipFill>
+        <p:spPr>
+          <a:xfrm>
+            <a:off x="1841863" y="875212"/>
+            <a:ext cx="8858043" cy="5042264"/>
+          </a:xfrm>
+        </p:spPr>
+      </p:pic>
+    </p:spTree>
+    <p:extLst>
+      <p:ext uri="{BB962C8B-B14F-4D97-AF65-F5344CB8AC3E}">
+        <p14:creationId xmlns:p14="http://schemas.microsoft.com/office/powerpoint/2010/main" val="3706827208"/>
+      </p:ext>
+    </p:extLst>
+  </p:cSld>
+  <p:clrMapOvr>
+    <a:masterClrMapping/>
+  </p:clrMapOvr>
+</p:sld>
+</file>
+
+<file path=ppt/slides/slide15.xml><?xml version="1.0" encoding="utf-8"?>
+<p:sld xmlns:a="http://schemas.openxmlformats.org/drawingml/2006/main" xmlns:r="http://schemas.openxmlformats.org/officeDocument/2006/relationships" xmlns:p="http://schemas.openxmlformats.org/presentationml/2006/main">
+  <p:cSld>
+    <p:spTree>
+      <p:nvGrpSpPr>
+        <p:cNvPr id="1" name=""/>
+        <p:cNvGrpSpPr/>
+        <p:nvPr/>
+      </p:nvGrpSpPr>
+      <p:grpSpPr>
+        <a:xfrm>
+          <a:off x="0" y="0"/>
+          <a:ext cx="0" cy="0"/>
+          <a:chOff x="0" y="0"/>
+          <a:chExt cx="0" cy="0"/>
+        </a:xfrm>
+      </p:grpSpPr>
+      <p:sp>
+        <p:nvSpPr>
+          <p:cNvPr id="2" name="Title 1"/>
+          <p:cNvSpPr>
+            <a:spLocks noGrp="1"/>
+          </p:cNvSpPr>
+          <p:nvPr>
+            <p:ph type="title"/>
+          </p:nvPr>
+        </p:nvSpPr>
+        <p:spPr/>
+        <p:txBody>
+          <a:bodyPr/>
+          <a:lstStyle/>
+          <a:p>
+            <a:r>
+              <a:rPr lang="en-US" dirty="0" smtClean="0"/>
+              <a:t> </a:t>
+            </a:r>
+            <a:endParaRPr lang="en-US" dirty="0"/>
+          </a:p>
+        </p:txBody>
+      </p:sp>
+      <p:pic>
+        <p:nvPicPr>
+          <p:cNvPr id="4" name="Content Placeholder 3"/>
+          <p:cNvPicPr>
+            <a:picLocks noGrp="1" noChangeAspect="1"/>
+          </p:cNvPicPr>
+          <p:nvPr>
+            <p:ph idx="1"/>
+          </p:nvPr>
+        </p:nvPicPr>
+        <p:blipFill>
+          <a:blip r:embed="rId2" cstate="print">
+            <a:extLst>
+              <a:ext uri="{28A0092B-C50C-407E-A947-70E740481C1C}">
+                <a14:useLocalDpi xmlns:a14="http://schemas.microsoft.com/office/drawing/2010/main" val="0"/>
+              </a:ext>
+            </a:extLst>
+          </a:blip>
+          <a:stretch>
+            <a:fillRect/>
+          </a:stretch>
+        </p:blipFill>
+        <p:spPr>
+          <a:xfrm>
+            <a:off x="1828800" y="522515"/>
+            <a:ext cx="9339943" cy="5499462"/>
+          </a:xfrm>
+        </p:spPr>
+      </p:pic>
+    </p:spTree>
+    <p:extLst>
+      <p:ext uri="{BB962C8B-B14F-4D97-AF65-F5344CB8AC3E}">
+        <p14:creationId xmlns:p14="http://schemas.microsoft.com/office/powerpoint/2010/main" val="2809040994"/>
+      </p:ext>
+    </p:extLst>
+  </p:cSld>
+  <p:clrMapOvr>
+    <a:masterClrMapping/>
+  </p:clrMapOvr>
+</p:sld>
+</file>
+
+<file path=ppt/slides/slide16.xml><?xml version="1.0" encoding="utf-8"?>
 <p:sld xmlns:a="http://schemas.openxmlformats.org/drawingml/2006/main" xmlns:r="http://schemas.openxmlformats.org/officeDocument/2006/relationships" xmlns:p="http://schemas.openxmlformats.org/presentationml/2006/main">
   <p:cSld>
     <p:spTree>
@@ -6812,183 +7059,6 @@
 </p:sld>
 </file>
 
-<file path=ppt/slides/slide14.xml><?xml version="1.0" encoding="utf-8"?>
-<p:sld xmlns:a="http://schemas.openxmlformats.org/drawingml/2006/main" xmlns:r="http://schemas.openxmlformats.org/officeDocument/2006/relationships" xmlns:p="http://schemas.openxmlformats.org/presentationml/2006/main">
-  <p:cSld>
-    <p:spTree>
-      <p:nvGrpSpPr>
-        <p:cNvPr id="1" name=""/>
-        <p:cNvGrpSpPr/>
-        <p:nvPr/>
-      </p:nvGrpSpPr>
-      <p:grpSpPr>
-        <a:xfrm>
-          <a:off x="0" y="0"/>
-          <a:ext cx="0" cy="0"/>
-          <a:chOff x="0" y="0"/>
-          <a:chExt cx="0" cy="0"/>
-        </a:xfrm>
-      </p:grpSpPr>
-      <p:pic>
-        <p:nvPicPr>
-          <p:cNvPr id="4" name="Content Placeholder 3"/>
-          <p:cNvPicPr>
-            <a:picLocks noGrp="1" noChangeAspect="1"/>
-          </p:cNvPicPr>
-          <p:nvPr>
-            <p:ph idx="1"/>
-          </p:nvPr>
-        </p:nvPicPr>
-        <p:blipFill>
-          <a:blip r:embed="rId2">
-            <a:extLst>
-              <a:ext uri="{28A0092B-C50C-407E-A947-70E740481C1C}">
-                <a14:useLocalDpi xmlns:a14="http://schemas.microsoft.com/office/drawing/2010/main" val="0"/>
-              </a:ext>
-            </a:extLst>
-          </a:blip>
-          <a:stretch>
-            <a:fillRect/>
-          </a:stretch>
-        </p:blipFill>
-        <p:spPr>
-          <a:xfrm>
-            <a:off x="2416628" y="565241"/>
-            <a:ext cx="9470571" cy="5857693"/>
-          </a:xfrm>
-        </p:spPr>
-      </p:pic>
-    </p:spTree>
-    <p:extLst>
-      <p:ext uri="{BB962C8B-B14F-4D97-AF65-F5344CB8AC3E}">
-        <p14:creationId xmlns:p14="http://schemas.microsoft.com/office/powerpoint/2010/main" val="3336891626"/>
-      </p:ext>
-    </p:extLst>
-  </p:cSld>
-  <p:clrMapOvr>
-    <a:masterClrMapping/>
-  </p:clrMapOvr>
-</p:sld>
-</file>
-
-<file path=ppt/slides/slide15.xml><?xml version="1.0" encoding="utf-8"?>
-<p:sld xmlns:a="http://schemas.openxmlformats.org/drawingml/2006/main" xmlns:r="http://schemas.openxmlformats.org/officeDocument/2006/relationships" xmlns:p="http://schemas.openxmlformats.org/presentationml/2006/main">
-  <p:cSld>
-    <p:spTree>
-      <p:nvGrpSpPr>
-        <p:cNvPr id="1" name=""/>
-        <p:cNvGrpSpPr/>
-        <p:nvPr/>
-      </p:nvGrpSpPr>
-      <p:grpSpPr>
-        <a:xfrm>
-          <a:off x="0" y="0"/>
-          <a:ext cx="0" cy="0"/>
-          <a:chOff x="0" y="0"/>
-          <a:chExt cx="0" cy="0"/>
-        </a:xfrm>
-      </p:grpSpPr>
-      <p:pic>
-        <p:nvPicPr>
-          <p:cNvPr id="4" name="Content Placeholder 3"/>
-          <p:cNvPicPr>
-            <a:picLocks noGrp="1" noChangeAspect="1"/>
-          </p:cNvPicPr>
-          <p:nvPr>
-            <p:ph idx="1"/>
-          </p:nvPr>
-        </p:nvPicPr>
-        <p:blipFill>
-          <a:blip r:embed="rId2">
-            <a:extLst>
-              <a:ext uri="{28A0092B-C50C-407E-A947-70E740481C1C}">
-                <a14:useLocalDpi xmlns:a14="http://schemas.microsoft.com/office/drawing/2010/main" val="0"/>
-              </a:ext>
-            </a:extLst>
-          </a:blip>
-          <a:stretch>
-            <a:fillRect/>
-          </a:stretch>
-        </p:blipFill>
-        <p:spPr>
-          <a:xfrm>
-            <a:off x="2390503" y="431734"/>
-            <a:ext cx="8797364" cy="6426265"/>
-          </a:xfrm>
-        </p:spPr>
-      </p:pic>
-    </p:spTree>
-    <p:extLst>
-      <p:ext uri="{BB962C8B-B14F-4D97-AF65-F5344CB8AC3E}">
-        <p14:creationId xmlns:p14="http://schemas.microsoft.com/office/powerpoint/2010/main" val="2763400682"/>
-      </p:ext>
-    </p:extLst>
-  </p:cSld>
-  <p:clrMapOvr>
-    <a:masterClrMapping/>
-  </p:clrMapOvr>
-</p:sld>
-</file>
-
-<file path=ppt/slides/slide16.xml><?xml version="1.0" encoding="utf-8"?>
-<p:sld xmlns:a="http://schemas.openxmlformats.org/drawingml/2006/main" xmlns:r="http://schemas.openxmlformats.org/officeDocument/2006/relationships" xmlns:p="http://schemas.openxmlformats.org/presentationml/2006/main">
-  <p:cSld>
-    <p:spTree>
-      <p:nvGrpSpPr>
-        <p:cNvPr id="1" name=""/>
-        <p:cNvGrpSpPr/>
-        <p:nvPr/>
-      </p:nvGrpSpPr>
-      <p:grpSpPr>
-        <a:xfrm>
-          <a:off x="0" y="0"/>
-          <a:ext cx="0" cy="0"/>
-          <a:chOff x="0" y="0"/>
-          <a:chExt cx="0" cy="0"/>
-        </a:xfrm>
-      </p:grpSpPr>
-      <p:pic>
-        <p:nvPicPr>
-          <p:cNvPr id="4" name="Content Placeholder 3"/>
-          <p:cNvPicPr>
-            <a:picLocks noGrp="1" noChangeAspect="1"/>
-          </p:cNvPicPr>
-          <p:nvPr>
-            <p:ph idx="1"/>
-          </p:nvPr>
-        </p:nvPicPr>
-        <p:blipFill>
-          <a:blip r:embed="rId2">
-            <a:extLst>
-              <a:ext uri="{28A0092B-C50C-407E-A947-70E740481C1C}">
-                <a14:useLocalDpi xmlns:a14="http://schemas.microsoft.com/office/drawing/2010/main" val="0"/>
-              </a:ext>
-            </a:extLst>
-          </a:blip>
-          <a:stretch>
-            <a:fillRect/>
-          </a:stretch>
-        </p:blipFill>
-        <p:spPr>
-          <a:xfrm>
-            <a:off x="1656517" y="144463"/>
-            <a:ext cx="9413954" cy="6713537"/>
-          </a:xfrm>
-        </p:spPr>
-      </p:pic>
-    </p:spTree>
-    <p:extLst>
-      <p:ext uri="{BB962C8B-B14F-4D97-AF65-F5344CB8AC3E}">
-        <p14:creationId xmlns:p14="http://schemas.microsoft.com/office/powerpoint/2010/main" val="1414291702"/>
-      </p:ext>
-    </p:extLst>
-  </p:cSld>
-  <p:clrMapOvr>
-    <a:masterClrMapping/>
-  </p:clrMapOvr>
-</p:sld>
-</file>
-
 <file path=ppt/slides/slide17.xml><?xml version="1.0" encoding="utf-8"?>
 <p:sld xmlns:a="http://schemas.openxmlformats.org/drawingml/2006/main" xmlns:r="http://schemas.openxmlformats.org/officeDocument/2006/relationships" xmlns:p="http://schemas.openxmlformats.org/presentationml/2006/main">
   <p:cSld>
@@ -7006,14 +7076,37 @@
           <a:chExt cx="0" cy="0"/>
         </a:xfrm>
       </p:grpSpPr>
+      <p:sp>
+        <p:nvSpPr>
+          <p:cNvPr id="2" name="Title 1"/>
+          <p:cNvSpPr>
+            <a:spLocks noGrp="1"/>
+          </p:cNvSpPr>
+          <p:nvPr>
+            <p:ph type="title"/>
+          </p:nvPr>
+        </p:nvSpPr>
+        <p:spPr/>
+        <p:txBody>
+          <a:bodyPr/>
+          <a:lstStyle/>
+          <a:p>
+            <a:r>
+              <a:rPr lang="en-US" dirty="0" smtClean="0"/>
+              <a:t> </a:t>
+            </a:r>
+            <a:endParaRPr lang="en-US" dirty="0"/>
+          </a:p>
+        </p:txBody>
+      </p:sp>
       <p:pic>
         <p:nvPicPr>
-          <p:cNvPr id="6" name="Content Placeholder 5"/>
+          <p:cNvPr id="5" name="Picture Placeholder 4"/>
           <p:cNvPicPr>
             <a:picLocks noGrp="1" noChangeAspect="1"/>
           </p:cNvPicPr>
           <p:nvPr>
-            <p:ph idx="1"/>
+            <p:ph type="pic" idx="1"/>
           </p:nvPr>
         </p:nvPicPr>
         <p:blipFill>
@@ -7024,21 +7117,85 @@
               </a:ext>
             </a:extLst>
           </a:blip>
+          <a:srcRect l="12140" r="12140"/>
           <a:stretch>
             <a:fillRect/>
           </a:stretch>
         </p:blipFill>
         <p:spPr>
           <a:xfrm>
-            <a:off x="4388105" y="327025"/>
-            <a:ext cx="4211128" cy="6530975"/>
+            <a:off x="7289075" y="418011"/>
+            <a:ext cx="4167052" cy="5590903"/>
           </a:xfrm>
         </p:spPr>
       </p:pic>
+      <p:sp>
+        <p:nvSpPr>
+          <p:cNvPr id="4" name="Text Placeholder 3"/>
+          <p:cNvSpPr>
+            <a:spLocks noGrp="1"/>
+          </p:cNvSpPr>
+          <p:nvPr>
+            <p:ph type="body" sz="half" idx="2"/>
+          </p:nvPr>
+        </p:nvSpPr>
+        <p:spPr>
+          <a:xfrm>
+            <a:off x="1482724" y="1188720"/>
+            <a:ext cx="5426158" cy="3764279"/>
+          </a:xfrm>
+        </p:spPr>
+        <p:txBody>
+          <a:bodyPr>
+            <a:normAutofit/>
+          </a:bodyPr>
+          <a:lstStyle/>
+          <a:p>
+            <a:r>
+              <a:rPr lang="en-US" sz="2000" dirty="0">
+                <a:latin typeface="Times New Roman" panose="02020603050405020304" pitchFamily="18" charset="0"/>
+                <a:cs typeface="Times New Roman" panose="02020603050405020304" pitchFamily="18" charset="0"/>
+              </a:rPr>
+              <a:t>Service URL It is a simple client server architecture which various UI clients such as Spring Boot CLI , IDE or official web UI talk to the same backend HTTP API that actually generates the spring starter project. </a:t>
+            </a:r>
+            <a:r>
+              <a:rPr lang="en-US" sz="2000" dirty="0" smtClean="0">
+                <a:latin typeface="Times New Roman" panose="02020603050405020304" pitchFamily="18" charset="0"/>
+                <a:cs typeface="Times New Roman" panose="02020603050405020304" pitchFamily="18" charset="0"/>
+              </a:rPr>
+              <a:t>is the spring initialization</a:t>
+            </a:r>
+          </a:p>
+          <a:p>
+            <a:r>
+              <a:rPr lang="en-US" sz="2000" dirty="0" smtClean="0">
+                <a:latin typeface="Times New Roman" panose="02020603050405020304" pitchFamily="18" charset="0"/>
+                <a:cs typeface="Times New Roman" panose="02020603050405020304" pitchFamily="18" charset="0"/>
+              </a:rPr>
+              <a:t>Name of the group.</a:t>
+            </a:r>
+          </a:p>
+          <a:p>
+            <a:r>
+              <a:rPr lang="en-US" sz="2000" dirty="0" smtClean="0">
+                <a:latin typeface="Times New Roman" panose="02020603050405020304" pitchFamily="18" charset="0"/>
+                <a:cs typeface="Times New Roman" panose="02020603050405020304" pitchFamily="18" charset="0"/>
+              </a:rPr>
+              <a:t>Package name and the group name have to be same.</a:t>
+            </a:r>
+          </a:p>
+          <a:p>
+            <a:endParaRPr lang="en-US" sz="2000" dirty="0">
+              <a:latin typeface="Times New Roman" panose="02020603050405020304" pitchFamily="18" charset="0"/>
+              <a:cs typeface="Times New Roman" panose="02020603050405020304" pitchFamily="18" charset="0"/>
+            </a:endParaRPr>
+          </a:p>
+        </p:txBody>
+      </p:sp>
     </p:spTree>
     <p:extLst>
       <p:ext uri="{BB962C8B-B14F-4D97-AF65-F5344CB8AC3E}">
-        <p14:creationId xmlns:p14="http://schemas.microsoft.com/office/powerpoint/2010/main" val="3095825717"/>
+        <p14:creationId xmlns:p14="http://schemas.microsoft.com/office/powerpoint/2010/main" val="3220321360"/>
       </p:ext>
     </p:extLst>
   </p:cSld>
@@ -7065,14 +7222,37 @@
           <a:chExt cx="0" cy="0"/>
         </a:xfrm>
       </p:grpSpPr>
+      <p:sp>
+        <p:nvSpPr>
+          <p:cNvPr id="9" name="Title 8"/>
+          <p:cNvSpPr>
+            <a:spLocks noGrp="1"/>
+          </p:cNvSpPr>
+          <p:nvPr>
+            <p:ph type="title"/>
+          </p:nvPr>
+        </p:nvSpPr>
+        <p:spPr/>
+        <p:txBody>
+          <a:bodyPr/>
+          <a:lstStyle/>
+          <a:p>
+            <a:r>
+              <a:rPr lang="en-US" dirty="0" smtClean="0"/>
+              <a:t> </a:t>
+            </a:r>
+            <a:endParaRPr lang="en-US" dirty="0"/>
+          </a:p>
+        </p:txBody>
+      </p:sp>
       <p:pic>
         <p:nvPicPr>
-          <p:cNvPr id="4" name="Content Placeholder 3"/>
+          <p:cNvPr id="5" name="Picture Placeholder 4"/>
           <p:cNvPicPr>
             <a:picLocks noGrp="1" noChangeAspect="1"/>
           </p:cNvPicPr>
           <p:nvPr>
-            <p:ph idx="1"/>
+            <p:ph type="pic" idx="1"/>
           </p:nvPr>
         </p:nvPicPr>
         <p:blipFill>
@@ -7083,21 +7263,67 @@
               </a:ext>
             </a:extLst>
           </a:blip>
+          <a:srcRect l="17360" r="17360"/>
           <a:stretch>
             <a:fillRect/>
           </a:stretch>
         </p:blipFill>
         <p:spPr>
           <a:xfrm>
-            <a:off x="1536700" y="501487"/>
-            <a:ext cx="10018713" cy="5632775"/>
+            <a:off x="7594681" y="414972"/>
+            <a:ext cx="4344770" cy="5437188"/>
           </a:xfrm>
         </p:spPr>
       </p:pic>
+      <p:sp>
+        <p:nvSpPr>
+          <p:cNvPr id="10" name="Text Placeholder 9"/>
+          <p:cNvSpPr>
+            <a:spLocks noGrp="1"/>
+          </p:cNvSpPr>
+          <p:nvPr>
+            <p:ph type="body" sz="half" idx="2"/>
+          </p:nvPr>
+        </p:nvSpPr>
+        <p:spPr>
+          <a:xfrm>
+            <a:off x="1482724" y="1632857"/>
+            <a:ext cx="5426158" cy="3320142"/>
+          </a:xfrm>
+        </p:spPr>
+        <p:txBody>
+          <a:bodyPr>
+            <a:normAutofit/>
+          </a:bodyPr>
+          <a:lstStyle/>
+          <a:p>
+            <a:r>
+              <a:rPr lang="en-US" sz="2400" dirty="0" smtClean="0">
+                <a:latin typeface="Times New Roman" panose="02020603050405020304" pitchFamily="18" charset="0"/>
+                <a:cs typeface="Times New Roman" panose="02020603050405020304" pitchFamily="18" charset="0"/>
+              </a:rPr>
+              <a:t>In this we select the dependency for the spring boot project for this we have to add spring web.</a:t>
+            </a:r>
+          </a:p>
+          <a:p>
+            <a:r>
+              <a:rPr lang="en-US" sz="2400" dirty="0" smtClean="0">
+                <a:latin typeface="Times New Roman" panose="02020603050405020304" pitchFamily="18" charset="0"/>
+                <a:cs typeface="Times New Roman" panose="02020603050405020304" pitchFamily="18" charset="0"/>
+              </a:rPr>
+              <a:t>It is the implementation of Spring MVC.</a:t>
+            </a:r>
+            <a:endParaRPr lang="en-US" sz="2400" dirty="0">
+              <a:latin typeface="Times New Roman" panose="02020603050405020304" pitchFamily="18" charset="0"/>
+              <a:cs typeface="Times New Roman" panose="02020603050405020304" pitchFamily="18" charset="0"/>
+            </a:endParaRPr>
+          </a:p>
+        </p:txBody>
+      </p:sp>
     </p:spTree>
     <p:extLst>
       <p:ext uri="{BB962C8B-B14F-4D97-AF65-F5344CB8AC3E}">
-        <p14:creationId xmlns:p14="http://schemas.microsoft.com/office/powerpoint/2010/main" val="3736394233"/>
+        <p14:creationId xmlns:p14="http://schemas.microsoft.com/office/powerpoint/2010/main" val="3124991121"/>
       </p:ext>
     </p:extLst>
   </p:cSld>
@@ -7148,15 +7374,15 @@
         </p:blipFill>
         <p:spPr>
           <a:xfrm>
-            <a:off x="765855" y="932857"/>
-            <a:ext cx="10018712" cy="5632775"/>
+            <a:off x="4388105" y="327025"/>
+            <a:ext cx="4211128" cy="6530975"/>
           </a:xfrm>
         </p:spPr>
       </p:pic>
     </p:spTree>
     <p:extLst>
       <p:ext uri="{BB962C8B-B14F-4D97-AF65-F5344CB8AC3E}">
-        <p14:creationId xmlns:p14="http://schemas.microsoft.com/office/powerpoint/2010/main" val="4097313180"/>
+        <p14:creationId xmlns:p14="http://schemas.microsoft.com/office/powerpoint/2010/main" val="3095825717"/>
       </p:ext>
     </p:extLst>
   </p:cSld>
@@ -7537,6 +7763,124 @@
         </p:blipFill>
         <p:spPr>
           <a:xfrm>
+            <a:off x="1536700" y="501487"/>
+            <a:ext cx="10018713" cy="5632775"/>
+          </a:xfrm>
+        </p:spPr>
+      </p:pic>
+    </p:spTree>
+    <p:extLst>
+      <p:ext uri="{BB962C8B-B14F-4D97-AF65-F5344CB8AC3E}">
+        <p14:creationId xmlns:p14="http://schemas.microsoft.com/office/powerpoint/2010/main" val="3736394233"/>
+      </p:ext>
+    </p:extLst>
+  </p:cSld>
+  <p:clrMapOvr>
+    <a:masterClrMapping/>
+  </p:clrMapOvr>
+</p:sld>
+</file>
+
+<file path=ppt/slides/slide21.xml><?xml version="1.0" encoding="utf-8"?>
+<p:sld xmlns:a="http://schemas.openxmlformats.org/drawingml/2006/main" xmlns:r="http://schemas.openxmlformats.org/officeDocument/2006/relationships" xmlns:p="http://schemas.openxmlformats.org/presentationml/2006/main">
+  <p:cSld>
+    <p:spTree>
+      <p:nvGrpSpPr>
+        <p:cNvPr id="1" name=""/>
+        <p:cNvGrpSpPr/>
+        <p:nvPr/>
+      </p:nvGrpSpPr>
+      <p:grpSpPr>
+        <a:xfrm>
+          <a:off x="0" y="0"/>
+          <a:ext cx="0" cy="0"/>
+          <a:chOff x="0" y="0"/>
+          <a:chExt cx="0" cy="0"/>
+        </a:xfrm>
+      </p:grpSpPr>
+      <p:pic>
+        <p:nvPicPr>
+          <p:cNvPr id="6" name="Content Placeholder 5"/>
+          <p:cNvPicPr>
+            <a:picLocks noGrp="1" noChangeAspect="1"/>
+          </p:cNvPicPr>
+          <p:nvPr>
+            <p:ph idx="1"/>
+          </p:nvPr>
+        </p:nvPicPr>
+        <p:blipFill>
+          <a:blip r:embed="rId2">
+            <a:extLst>
+              <a:ext uri="{28A0092B-C50C-407E-A947-70E740481C1C}">
+                <a14:useLocalDpi xmlns:a14="http://schemas.microsoft.com/office/drawing/2010/main" val="0"/>
+              </a:ext>
+            </a:extLst>
+          </a:blip>
+          <a:stretch>
+            <a:fillRect/>
+          </a:stretch>
+        </p:blipFill>
+        <p:spPr>
+          <a:xfrm>
+            <a:off x="765855" y="932857"/>
+            <a:ext cx="10018712" cy="5632775"/>
+          </a:xfrm>
+        </p:spPr>
+      </p:pic>
+    </p:spTree>
+    <p:extLst>
+      <p:ext uri="{BB962C8B-B14F-4D97-AF65-F5344CB8AC3E}">
+        <p14:creationId xmlns:p14="http://schemas.microsoft.com/office/powerpoint/2010/main" val="4097313180"/>
+      </p:ext>
+    </p:extLst>
+  </p:cSld>
+  <p:clrMapOvr>
+    <a:masterClrMapping/>
+  </p:clrMapOvr>
+</p:sld>
+</file>
+
+<file path=ppt/slides/slide22.xml><?xml version="1.0" encoding="utf-8"?>
+<p:sld xmlns:a="http://schemas.openxmlformats.org/drawingml/2006/main" xmlns:r="http://schemas.openxmlformats.org/officeDocument/2006/relationships" xmlns:p="http://schemas.openxmlformats.org/presentationml/2006/main">
+  <p:cSld>
+    <p:spTree>
+      <p:nvGrpSpPr>
+        <p:cNvPr id="1" name=""/>
+        <p:cNvGrpSpPr/>
+        <p:nvPr/>
+      </p:nvGrpSpPr>
+      <p:grpSpPr>
+        <a:xfrm>
+          <a:off x="0" y="0"/>
+          <a:ext cx="0" cy="0"/>
+          <a:chOff x="0" y="0"/>
+          <a:chExt cx="0" cy="0"/>
+        </a:xfrm>
+      </p:grpSpPr>
+      <p:pic>
+        <p:nvPicPr>
+          <p:cNvPr id="4" name="Content Placeholder 3"/>
+          <p:cNvPicPr>
+            <a:picLocks noGrp="1" noChangeAspect="1"/>
+          </p:cNvPicPr>
+          <p:nvPr>
+            <p:ph idx="1"/>
+          </p:nvPr>
+        </p:nvPicPr>
+        <p:blipFill>
+          <a:blip r:embed="rId2">
+            <a:extLst>
+              <a:ext uri="{28A0092B-C50C-407E-A947-70E740481C1C}">
+                <a14:useLocalDpi xmlns:a14="http://schemas.microsoft.com/office/drawing/2010/main" val="0"/>
+              </a:ext>
+            </a:extLst>
+          </a:blip>
+          <a:stretch>
+            <a:fillRect/>
+          </a:stretch>
+        </p:blipFill>
+        <p:spPr>
+          <a:xfrm>
             <a:off x="1484313" y="-11491"/>
             <a:ext cx="10612437" cy="5966582"/>
           </a:xfrm>
@@ -7555,7 +7899,7 @@
 </p:sld>
 </file>
 
-<file path=ppt/slides/slide21.xml><?xml version="1.0" encoding="utf-8"?>
+<file path=ppt/slides/slide23.xml><?xml version="1.0" encoding="utf-8"?>
 <p:sld xmlns:a="http://schemas.openxmlformats.org/drawingml/2006/main" xmlns:r="http://schemas.openxmlformats.org/officeDocument/2006/relationships" xmlns:p="http://schemas.openxmlformats.org/presentationml/2006/main">
   <p:cSld>
     <p:spTree>
@@ -7614,7 +7958,7 @@
 </p:sld>
 </file>
 
-<file path=ppt/slides/slide22.xml><?xml version="1.0" encoding="utf-8"?>
+<file path=ppt/slides/slide24.xml><?xml version="1.0" encoding="utf-8"?>
 <p:sld xmlns:a="http://schemas.openxmlformats.org/drawingml/2006/main" xmlns:r="http://schemas.openxmlformats.org/officeDocument/2006/relationships" xmlns:p="http://schemas.openxmlformats.org/presentationml/2006/main">
   <p:cSld>
     <p:spTree>
@@ -7673,7 +8017,7 @@
 </p:sld>
 </file>
 
-<file path=ppt/slides/slide23.xml><?xml version="1.0" encoding="utf-8"?>
+<file path=ppt/slides/slide25.xml><?xml version="1.0" encoding="utf-8"?>
 <p:sld xmlns:a="http://schemas.openxmlformats.org/drawingml/2006/main" xmlns:r="http://schemas.openxmlformats.org/officeDocument/2006/relationships" xmlns:p="http://schemas.openxmlformats.org/presentationml/2006/main">
   <p:cSld>
     <p:spTree>
@@ -7714,7 +8058,7 @@
         </p:blipFill>
         <p:spPr>
           <a:xfrm>
-            <a:off x="1484313" y="612612"/>
+            <a:off x="1510439" y="834681"/>
             <a:ext cx="10018712" cy="5632775"/>
           </a:xfrm>
         </p:spPr>
@@ -7732,7 +8076,7 @@
 </p:sld>
 </file>
 
-<file path=ppt/slides/slide24.xml><?xml version="1.0" encoding="utf-8"?>
+<file path=ppt/slides/slide26.xml><?xml version="1.0" encoding="utf-8"?>
 <p:sld xmlns:a="http://schemas.openxmlformats.org/drawingml/2006/main" xmlns:r="http://schemas.openxmlformats.org/officeDocument/2006/relationships" xmlns:p="http://schemas.openxmlformats.org/presentationml/2006/main">
   <p:cSld>
     <p:spTree>
@@ -7791,7 +8135,7 @@
 </p:sld>
 </file>
 
-<file path=ppt/slides/slide25.xml><?xml version="1.0" encoding="utf-8"?>
+<file path=ppt/slides/slide27.xml><?xml version="1.0" encoding="utf-8"?>
 <p:sld xmlns:a="http://schemas.openxmlformats.org/drawingml/2006/main" xmlns:r="http://schemas.openxmlformats.org/officeDocument/2006/relationships" xmlns:p="http://schemas.openxmlformats.org/presentationml/2006/main">
   <p:cSld>
     <p:spTree>
@@ -7850,7 +8194,7 @@
 </p:sld>
 </file>
 
-<file path=ppt/slides/slide26.xml><?xml version="1.0" encoding="utf-8"?>
+<file path=ppt/slides/slide28.xml><?xml version="1.0" encoding="utf-8"?>
 <p:sld xmlns:a="http://schemas.openxmlformats.org/drawingml/2006/main" xmlns:r="http://schemas.openxmlformats.org/officeDocument/2006/relationships" xmlns:p="http://schemas.openxmlformats.org/presentationml/2006/main">
   <p:cSld>
     <p:spTree>
@@ -7909,7 +8253,7 @@
 </p:sld>
 </file>
 
-<file path=ppt/slides/slide27.xml><?xml version="1.0" encoding="utf-8"?>
+<file path=ppt/slides/slide29.xml><?xml version="1.0" encoding="utf-8"?>
 <p:sld xmlns:a="http://schemas.openxmlformats.org/drawingml/2006/main" xmlns:r="http://schemas.openxmlformats.org/officeDocument/2006/relationships" xmlns:p="http://schemas.openxmlformats.org/presentationml/2006/main">
   <p:cSld>
     <p:spTree>
@@ -7968,7 +8312,286 @@
 </p:sld>
 </file>
 
-<file path=ppt/slides/slide28.xml><?xml version="1.0" encoding="utf-8"?>
+<file path=ppt/slides/slide3.xml><?xml version="1.0" encoding="utf-8"?>
+<p:sld xmlns:a="http://schemas.openxmlformats.org/drawingml/2006/main" xmlns:r="http://schemas.openxmlformats.org/officeDocument/2006/relationships" xmlns:p="http://schemas.openxmlformats.org/presentationml/2006/main">
+  <p:cSld>
+    <p:spTree>
+      <p:nvGrpSpPr>
+        <p:cNvPr id="1" name=""/>
+        <p:cNvGrpSpPr/>
+        <p:nvPr/>
+      </p:nvGrpSpPr>
+      <p:grpSpPr>
+        <a:xfrm>
+          <a:off x="0" y="0"/>
+          <a:ext cx="0" cy="0"/>
+          <a:chOff x="0" y="0"/>
+          <a:chExt cx="0" cy="0"/>
+        </a:xfrm>
+      </p:grpSpPr>
+      <p:sp>
+        <p:nvSpPr>
+          <p:cNvPr id="2" name="Title 1"/>
+          <p:cNvSpPr>
+            <a:spLocks noGrp="1"/>
+          </p:cNvSpPr>
+          <p:nvPr>
+            <p:ph type="title"/>
+          </p:nvPr>
+        </p:nvSpPr>
+        <p:spPr>
+          <a:xfrm>
+            <a:off x="1484310" y="431075"/>
+            <a:ext cx="10018713" cy="783771"/>
+          </a:xfrm>
+        </p:spPr>
+        <p:txBody>
+          <a:bodyPr/>
+          <a:lstStyle/>
+          <a:p>
+            <a:r>
+              <a:rPr lang="en-US" dirty="0" smtClean="0"/>
+              <a:t>Spring framework in Java</a:t>
+            </a:r>
+            <a:endParaRPr lang="en-US" dirty="0"/>
+          </a:p>
+        </p:txBody>
+      </p:sp>
+      <p:sp>
+        <p:nvSpPr>
+          <p:cNvPr id="3" name="Content Placeholder 2"/>
+          <p:cNvSpPr>
+            <a:spLocks noGrp="1"/>
+          </p:cNvSpPr>
+          <p:nvPr>
+            <p:ph idx="1"/>
+          </p:nvPr>
+        </p:nvSpPr>
+        <p:spPr>
+          <a:xfrm>
+            <a:off x="1484310" y="1214846"/>
+            <a:ext cx="10018713" cy="4689565"/>
+          </a:xfrm>
+        </p:spPr>
+        <p:txBody>
+          <a:bodyPr>
+            <a:normAutofit fontScale="25000" lnSpcReduction="20000"/>
+          </a:bodyPr>
+          <a:lstStyle/>
+          <a:p>
+            <a:pPr algn="just">
+              <a:lnSpc>
+                <a:spcPct val="170000"/>
+              </a:lnSpc>
+            </a:pPr>
+            <a:endParaRPr lang="en-US" sz="3200" dirty="0" smtClean="0">
+              <a:latin typeface="Times New Roman" panose="02020603050405020304" pitchFamily="18" charset="0"/>
+              <a:cs typeface="Times New Roman" panose="02020603050405020304" pitchFamily="18" charset="0"/>
+            </a:endParaRPr>
+          </a:p>
+          <a:p>
+            <a:pPr algn="just">
+              <a:lnSpc>
+                <a:spcPct val="170000"/>
+              </a:lnSpc>
+            </a:pPr>
+            <a:endParaRPr lang="en-US" sz="3200" dirty="0">
+              <a:latin typeface="Times New Roman" panose="02020603050405020304" pitchFamily="18" charset="0"/>
+              <a:cs typeface="Times New Roman" panose="02020603050405020304" pitchFamily="18" charset="0"/>
+            </a:endParaRPr>
+          </a:p>
+          <a:p>
+            <a:pPr algn="just">
+              <a:lnSpc>
+                <a:spcPct val="170000"/>
+              </a:lnSpc>
+            </a:pPr>
+            <a:endParaRPr lang="en-US" sz="3200" dirty="0" smtClean="0">
+              <a:latin typeface="Times New Roman" panose="02020603050405020304" pitchFamily="18" charset="0"/>
+              <a:cs typeface="Times New Roman" panose="02020603050405020304" pitchFamily="18" charset="0"/>
+            </a:endParaRPr>
+          </a:p>
+          <a:p>
+            <a:pPr algn="just">
+              <a:lnSpc>
+                <a:spcPct val="170000"/>
+              </a:lnSpc>
+            </a:pPr>
+            <a:r>
+              <a:rPr lang="en-US" sz="8000" dirty="0" smtClean="0">
+                <a:latin typeface="Times New Roman" panose="02020603050405020304" pitchFamily="18" charset="0"/>
+                <a:cs typeface="Times New Roman" panose="02020603050405020304" pitchFamily="18" charset="0"/>
+              </a:rPr>
+              <a:t>The </a:t>
+            </a:r>
+            <a:r>
+              <a:rPr lang="en-US" sz="8000" dirty="0">
+                <a:latin typeface="Times New Roman" panose="02020603050405020304" pitchFamily="18" charset="0"/>
+                <a:cs typeface="Times New Roman" panose="02020603050405020304" pitchFamily="18" charset="0"/>
+              </a:rPr>
+              <a:t>Spring Framework is a Java platform that provides </a:t>
+            </a:r>
+            <a:r>
+              <a:rPr lang="en-US" sz="8000" dirty="0" smtClean="0">
+                <a:latin typeface="Times New Roman" panose="02020603050405020304" pitchFamily="18" charset="0"/>
+                <a:cs typeface="Times New Roman" panose="02020603050405020304" pitchFamily="18" charset="0"/>
+              </a:rPr>
+              <a:t>us the comprehensive </a:t>
+            </a:r>
+            <a:r>
+              <a:rPr lang="en-US" sz="8000" dirty="0">
+                <a:latin typeface="Times New Roman" panose="02020603050405020304" pitchFamily="18" charset="0"/>
+                <a:cs typeface="Times New Roman" panose="02020603050405020304" pitchFamily="18" charset="0"/>
+              </a:rPr>
+              <a:t>infrastructure support for developing Java applications. Spring handles the infrastructure so you can focus on your application.</a:t>
+            </a:r>
+            <a:endParaRPr lang="en-US" sz="8000" b="1" dirty="0" smtClean="0">
+              <a:latin typeface="Times New Roman" panose="02020603050405020304" pitchFamily="18" charset="0"/>
+              <a:cs typeface="Times New Roman" panose="02020603050405020304" pitchFamily="18" charset="0"/>
+            </a:endParaRPr>
+          </a:p>
+          <a:p>
+            <a:pPr algn="just">
+              <a:lnSpc>
+                <a:spcPct val="170000"/>
+              </a:lnSpc>
+            </a:pPr>
+            <a:r>
+              <a:rPr lang="en-US" sz="8000" b="1" dirty="0" smtClean="0">
+                <a:latin typeface="Times New Roman" panose="02020603050405020304" pitchFamily="18" charset="0"/>
+                <a:cs typeface="Times New Roman" panose="02020603050405020304" pitchFamily="18" charset="0"/>
+              </a:rPr>
+              <a:t>Spring framework</a:t>
+            </a:r>
+            <a:r>
+              <a:rPr lang="en-US" sz="8000" dirty="0" smtClean="0">
+                <a:latin typeface="Times New Roman" panose="02020603050405020304" pitchFamily="18" charset="0"/>
+                <a:cs typeface="Times New Roman" panose="02020603050405020304" pitchFamily="18" charset="0"/>
+              </a:rPr>
+              <a:t> was designed </a:t>
+            </a:r>
+            <a:r>
+              <a:rPr lang="en-US" sz="8000" dirty="0">
+                <a:latin typeface="Times New Roman" panose="02020603050405020304" pitchFamily="18" charset="0"/>
+                <a:cs typeface="Times New Roman" panose="02020603050405020304" pitchFamily="18" charset="0"/>
+              </a:rPr>
+              <a:t>to simplify </a:t>
+            </a:r>
+            <a:r>
+              <a:rPr lang="en-US" sz="8000" b="1" dirty="0">
+                <a:latin typeface="Times New Roman" panose="02020603050405020304" pitchFamily="18" charset="0"/>
+                <a:cs typeface="Times New Roman" panose="02020603050405020304" pitchFamily="18" charset="0"/>
+              </a:rPr>
+              <a:t>Java</a:t>
+            </a:r>
+            <a:r>
+              <a:rPr lang="en-US" sz="8000" dirty="0">
+                <a:latin typeface="Times New Roman" panose="02020603050405020304" pitchFamily="18" charset="0"/>
+                <a:cs typeface="Times New Roman" panose="02020603050405020304" pitchFamily="18" charset="0"/>
+              </a:rPr>
+              <a:t> EE development and make developers more productive. </a:t>
+            </a:r>
+            <a:r>
+              <a:rPr lang="en-US" sz="8000" b="1" dirty="0">
+                <a:latin typeface="Times New Roman" panose="02020603050405020304" pitchFamily="18" charset="0"/>
+                <a:cs typeface="Times New Roman" panose="02020603050405020304" pitchFamily="18" charset="0"/>
+              </a:rPr>
+              <a:t>Spring</a:t>
+            </a:r>
+            <a:r>
+              <a:rPr lang="en-US" sz="8000" dirty="0">
+                <a:latin typeface="Times New Roman" panose="02020603050405020304" pitchFamily="18" charset="0"/>
+                <a:cs typeface="Times New Roman" panose="02020603050405020304" pitchFamily="18" charset="0"/>
+              </a:rPr>
+              <a:t> makes </a:t>
+            </a:r>
+            <a:r>
+              <a:rPr lang="en-US" sz="8000" b="1" dirty="0">
+                <a:latin typeface="Times New Roman" panose="02020603050405020304" pitchFamily="18" charset="0"/>
+                <a:cs typeface="Times New Roman" panose="02020603050405020304" pitchFamily="18" charset="0"/>
+              </a:rPr>
+              <a:t>use</a:t>
+            </a:r>
+            <a:r>
+              <a:rPr lang="en-US" sz="8000" dirty="0">
+                <a:latin typeface="Times New Roman" panose="02020603050405020304" pitchFamily="18" charset="0"/>
+                <a:cs typeface="Times New Roman" panose="02020603050405020304" pitchFamily="18" charset="0"/>
+              </a:rPr>
+              <a:t> of Inversion of Control and Dependency Injection to promote good software coding practices and speed up development </a:t>
+            </a:r>
+            <a:r>
+              <a:rPr lang="en-US" sz="8000" dirty="0" smtClean="0">
+                <a:latin typeface="Times New Roman" panose="02020603050405020304" pitchFamily="18" charset="0"/>
+                <a:cs typeface="Times New Roman" panose="02020603050405020304" pitchFamily="18" charset="0"/>
+              </a:rPr>
+              <a:t>time.</a:t>
+            </a:r>
+          </a:p>
+          <a:p>
+            <a:pPr algn="just">
+              <a:lnSpc>
+                <a:spcPct val="170000"/>
+              </a:lnSpc>
+            </a:pPr>
+            <a:r>
+              <a:rPr lang="en-US" sz="8000" dirty="0">
+                <a:latin typeface="Times New Roman" panose="02020603050405020304" pitchFamily="18" charset="0"/>
+                <a:cs typeface="Times New Roman" panose="02020603050405020304" pitchFamily="18" charset="0"/>
+              </a:rPr>
+              <a:t>Java-based configuration option helps you to write most of your Spring configuration without XML but with the aid of only a few Java-based annotations</a:t>
+            </a:r>
+            <a:r>
+              <a:rPr lang="en-US" sz="8000" dirty="0" smtClean="0">
+                <a:latin typeface="Times New Roman" panose="02020603050405020304" pitchFamily="18" charset="0"/>
+                <a:cs typeface="Times New Roman" panose="02020603050405020304" pitchFamily="18" charset="0"/>
+              </a:rPr>
+              <a:t>.</a:t>
+            </a:r>
+          </a:p>
+          <a:p>
+            <a:pPr algn="just"/>
+            <a:endParaRPr lang="en-US" sz="5000" dirty="0" smtClean="0">
+              <a:latin typeface="Times New Roman" panose="02020603050405020304" pitchFamily="18" charset="0"/>
+              <a:cs typeface="Times New Roman" panose="02020603050405020304" pitchFamily="18" charset="0"/>
+            </a:endParaRPr>
+          </a:p>
+          <a:p>
+            <a:endParaRPr lang="en-US" dirty="0" smtClean="0"/>
+          </a:p>
+          <a:p>
+            <a:endParaRPr lang="en-US" dirty="0" smtClean="0"/>
+          </a:p>
+          <a:p>
+            <a:endParaRPr lang="en-US" dirty="0"/>
+          </a:p>
+          <a:p>
+            <a:endParaRPr lang="en-US" dirty="0" smtClean="0"/>
+          </a:p>
+          <a:p>
+            <a:endParaRPr lang="en-US" dirty="0"/>
+          </a:p>
+          <a:p>
+            <a:endParaRPr lang="en-US" dirty="0" smtClean="0"/>
+          </a:p>
+          <a:p>
+            <a:endParaRPr lang="en-US" dirty="0"/>
+          </a:p>
+        </p:txBody>
+      </p:sp>
+    </p:spTree>
+    <p:extLst>
+      <p:ext uri="{BB962C8B-B14F-4D97-AF65-F5344CB8AC3E}">
+        <p14:creationId xmlns:p14="http://schemas.microsoft.com/office/powerpoint/2010/main" val="3496205459"/>
+      </p:ext>
+    </p:extLst>
+  </p:cSld>
+  <p:clrMapOvr>
+    <a:masterClrMapping/>
+  </p:clrMapOvr>
+</p:sld>
+</file>
+
+<file path=ppt/slides/slide30.xml><?xml version="1.0" encoding="utf-8"?>
 <p:sld xmlns:a="http://schemas.openxmlformats.org/drawingml/2006/main" xmlns:r="http://schemas.openxmlformats.org/officeDocument/2006/relationships" xmlns:p="http://schemas.openxmlformats.org/presentationml/2006/main">
   <p:cSld>
     <p:spTree>
@@ -8027,540 +8650,6 @@
 </p:sld>
 </file>
 
-<file path=ppt/slides/slide29.xml><?xml version="1.0" encoding="utf-8"?>
-<p:sld xmlns:a="http://schemas.openxmlformats.org/drawingml/2006/main" xmlns:r="http://schemas.openxmlformats.org/officeDocument/2006/relationships" xmlns:p="http://schemas.openxmlformats.org/presentationml/2006/main">
-  <p:cSld>
-    <p:spTree>
-      <p:nvGrpSpPr>
-        <p:cNvPr id="1" name=""/>
-        <p:cNvGrpSpPr/>
-        <p:nvPr/>
-      </p:nvGrpSpPr>
-      <p:grpSpPr>
-        <a:xfrm>
-          <a:off x="0" y="0"/>
-          <a:ext cx="0" cy="0"/>
-          <a:chOff x="0" y="0"/>
-          <a:chExt cx="0" cy="0"/>
-        </a:xfrm>
-      </p:grpSpPr>
-      <p:sp>
-        <p:nvSpPr>
-          <p:cNvPr id="2" name="Title 1"/>
-          <p:cNvSpPr>
-            <a:spLocks noGrp="1"/>
-          </p:cNvSpPr>
-          <p:nvPr>
-            <p:ph type="title"/>
-          </p:nvPr>
-        </p:nvSpPr>
-        <p:spPr/>
-        <p:txBody>
-          <a:bodyPr/>
-          <a:lstStyle/>
-          <a:p>
-            <a:r>
-              <a:rPr lang="en-US" dirty="0" smtClean="0"/>
-              <a:t>Creating a project and Application in eclipse</a:t>
-            </a:r>
-            <a:endParaRPr lang="en-US" dirty="0"/>
-          </a:p>
-        </p:txBody>
-      </p:sp>
-      <p:sp>
-        <p:nvSpPr>
-          <p:cNvPr id="5" name="Text Placeholder 4"/>
-          <p:cNvSpPr>
-            <a:spLocks noGrp="1"/>
-          </p:cNvSpPr>
-          <p:nvPr>
-            <p:ph type="body" sz="half" idx="2"/>
-          </p:nvPr>
-        </p:nvSpPr>
-        <p:spPr/>
-        <p:txBody>
-          <a:bodyPr>
-            <a:normAutofit/>
-          </a:bodyPr>
-          <a:lstStyle/>
-          <a:p>
-            <a:r>
-              <a:rPr lang="en-US" sz="2000" dirty="0" smtClean="0">
-                <a:latin typeface="Times New Roman" panose="02020603050405020304" pitchFamily="18" charset="0"/>
-                <a:cs typeface="Times New Roman" panose="02020603050405020304" pitchFamily="18" charset="0"/>
-              </a:rPr>
-              <a:t>For doing a java application we need to create a spring framework project in which we select Spring starter project from Spring Boot.</a:t>
-            </a:r>
-            <a:endParaRPr lang="en-US" sz="2000" dirty="0">
-              <a:latin typeface="Times New Roman" panose="02020603050405020304" pitchFamily="18" charset="0"/>
-              <a:cs typeface="Times New Roman" panose="02020603050405020304" pitchFamily="18" charset="0"/>
-            </a:endParaRPr>
-          </a:p>
-        </p:txBody>
-      </p:sp>
-      <p:pic>
-        <p:nvPicPr>
-          <p:cNvPr id="9" name="Picture Placeholder 8"/>
-          <p:cNvPicPr>
-            <a:picLocks noGrp="1" noChangeAspect="1"/>
-          </p:cNvPicPr>
-          <p:nvPr>
-            <p:ph type="pic" idx="1"/>
-          </p:nvPr>
-        </p:nvPicPr>
-        <p:blipFill>
-          <a:blip r:embed="rId2">
-            <a:extLst>
-              <a:ext uri="{28A0092B-C50C-407E-A947-70E740481C1C}">
-                <a14:useLocalDpi xmlns:a14="http://schemas.microsoft.com/office/drawing/2010/main" val="0"/>
-              </a:ext>
-            </a:extLst>
-          </a:blip>
-          <a:srcRect l="18805" r="18805"/>
-          <a:stretch>
-            <a:fillRect/>
-          </a:stretch>
-        </p:blipFill>
-        <p:spPr/>
-      </p:pic>
-    </p:spTree>
-    <p:extLst>
-      <p:ext uri="{BB962C8B-B14F-4D97-AF65-F5344CB8AC3E}">
-        <p14:creationId xmlns:p14="http://schemas.microsoft.com/office/powerpoint/2010/main" val="3316117273"/>
-      </p:ext>
-    </p:extLst>
-  </p:cSld>
-  <p:clrMapOvr>
-    <a:masterClrMapping/>
-  </p:clrMapOvr>
-</p:sld>
-</file>
-
-<file path=ppt/slides/slide3.xml><?xml version="1.0" encoding="utf-8"?>
-<p:sld xmlns:a="http://schemas.openxmlformats.org/drawingml/2006/main" xmlns:r="http://schemas.openxmlformats.org/officeDocument/2006/relationships" xmlns:p="http://schemas.openxmlformats.org/presentationml/2006/main">
-  <p:cSld>
-    <p:spTree>
-      <p:nvGrpSpPr>
-        <p:cNvPr id="1" name=""/>
-        <p:cNvGrpSpPr/>
-        <p:nvPr/>
-      </p:nvGrpSpPr>
-      <p:grpSpPr>
-        <a:xfrm>
-          <a:off x="0" y="0"/>
-          <a:ext cx="0" cy="0"/>
-          <a:chOff x="0" y="0"/>
-          <a:chExt cx="0" cy="0"/>
-        </a:xfrm>
-      </p:grpSpPr>
-      <p:sp>
-        <p:nvSpPr>
-          <p:cNvPr id="2" name="Title 1"/>
-          <p:cNvSpPr>
-            <a:spLocks noGrp="1"/>
-          </p:cNvSpPr>
-          <p:nvPr>
-            <p:ph type="title"/>
-          </p:nvPr>
-        </p:nvSpPr>
-        <p:spPr>
-          <a:xfrm>
-            <a:off x="1484310" y="431075"/>
-            <a:ext cx="10018713" cy="783771"/>
-          </a:xfrm>
-        </p:spPr>
-        <p:txBody>
-          <a:bodyPr/>
-          <a:lstStyle/>
-          <a:p>
-            <a:r>
-              <a:rPr lang="en-US" dirty="0" smtClean="0"/>
-              <a:t>Spring framework in Java</a:t>
-            </a:r>
-            <a:endParaRPr lang="en-US" dirty="0"/>
-          </a:p>
-        </p:txBody>
-      </p:sp>
-      <p:sp>
-        <p:nvSpPr>
-          <p:cNvPr id="3" name="Content Placeholder 2"/>
-          <p:cNvSpPr>
-            <a:spLocks noGrp="1"/>
-          </p:cNvSpPr>
-          <p:nvPr>
-            <p:ph idx="1"/>
-          </p:nvPr>
-        </p:nvSpPr>
-        <p:spPr>
-          <a:xfrm>
-            <a:off x="1484310" y="1214846"/>
-            <a:ext cx="10018713" cy="4689565"/>
-          </a:xfrm>
-        </p:spPr>
-        <p:txBody>
-          <a:bodyPr>
-            <a:normAutofit fontScale="25000" lnSpcReduction="20000"/>
-          </a:bodyPr>
-          <a:lstStyle/>
-          <a:p>
-            <a:pPr algn="just">
-              <a:lnSpc>
-                <a:spcPct val="170000"/>
-              </a:lnSpc>
-            </a:pPr>
-            <a:endParaRPr lang="en-US" sz="3200" dirty="0" smtClean="0">
-              <a:latin typeface="Times New Roman" panose="02020603050405020304" pitchFamily="18" charset="0"/>
-              <a:cs typeface="Times New Roman" panose="02020603050405020304" pitchFamily="18" charset="0"/>
-            </a:endParaRPr>
-          </a:p>
-          <a:p>
-            <a:pPr algn="just">
-              <a:lnSpc>
-                <a:spcPct val="170000"/>
-              </a:lnSpc>
-            </a:pPr>
-            <a:endParaRPr lang="en-US" sz="3200" dirty="0">
-              <a:latin typeface="Times New Roman" panose="02020603050405020304" pitchFamily="18" charset="0"/>
-              <a:cs typeface="Times New Roman" panose="02020603050405020304" pitchFamily="18" charset="0"/>
-            </a:endParaRPr>
-          </a:p>
-          <a:p>
-            <a:pPr algn="just">
-              <a:lnSpc>
-                <a:spcPct val="170000"/>
-              </a:lnSpc>
-            </a:pPr>
-            <a:endParaRPr lang="en-US" sz="3200" dirty="0" smtClean="0">
-              <a:latin typeface="Times New Roman" panose="02020603050405020304" pitchFamily="18" charset="0"/>
-              <a:cs typeface="Times New Roman" panose="02020603050405020304" pitchFamily="18" charset="0"/>
-            </a:endParaRPr>
-          </a:p>
-          <a:p>
-            <a:pPr algn="just">
-              <a:lnSpc>
-                <a:spcPct val="170000"/>
-              </a:lnSpc>
-            </a:pPr>
-            <a:r>
-              <a:rPr lang="en-US" sz="8000" dirty="0" smtClean="0">
-                <a:latin typeface="Times New Roman" panose="02020603050405020304" pitchFamily="18" charset="0"/>
-                <a:cs typeface="Times New Roman" panose="02020603050405020304" pitchFamily="18" charset="0"/>
-              </a:rPr>
-              <a:t>The </a:t>
-            </a:r>
-            <a:r>
-              <a:rPr lang="en-US" sz="8000" dirty="0">
-                <a:latin typeface="Times New Roman" panose="02020603050405020304" pitchFamily="18" charset="0"/>
-                <a:cs typeface="Times New Roman" panose="02020603050405020304" pitchFamily="18" charset="0"/>
-              </a:rPr>
-              <a:t>Spring Framework is a Java platform that provides </a:t>
-            </a:r>
-            <a:r>
-              <a:rPr lang="en-US" sz="8000" dirty="0" smtClean="0">
-                <a:latin typeface="Times New Roman" panose="02020603050405020304" pitchFamily="18" charset="0"/>
-                <a:cs typeface="Times New Roman" panose="02020603050405020304" pitchFamily="18" charset="0"/>
-              </a:rPr>
-              <a:t>us the comprehensive </a:t>
-            </a:r>
-            <a:r>
-              <a:rPr lang="en-US" sz="8000" dirty="0">
-                <a:latin typeface="Times New Roman" panose="02020603050405020304" pitchFamily="18" charset="0"/>
-                <a:cs typeface="Times New Roman" panose="02020603050405020304" pitchFamily="18" charset="0"/>
-              </a:rPr>
-              <a:t>infrastructure support for developing Java applications. Spring handles the infrastructure so you can focus on your application.</a:t>
-            </a:r>
-            <a:endParaRPr lang="en-US" sz="8000" b="1" dirty="0" smtClean="0">
-              <a:latin typeface="Times New Roman" panose="02020603050405020304" pitchFamily="18" charset="0"/>
-              <a:cs typeface="Times New Roman" panose="02020603050405020304" pitchFamily="18" charset="0"/>
-            </a:endParaRPr>
-          </a:p>
-          <a:p>
-            <a:pPr algn="just">
-              <a:lnSpc>
-                <a:spcPct val="170000"/>
-              </a:lnSpc>
-            </a:pPr>
-            <a:r>
-              <a:rPr lang="en-US" sz="8000" b="1" dirty="0" smtClean="0">
-                <a:latin typeface="Times New Roman" panose="02020603050405020304" pitchFamily="18" charset="0"/>
-                <a:cs typeface="Times New Roman" panose="02020603050405020304" pitchFamily="18" charset="0"/>
-              </a:rPr>
-              <a:t>Spring framework</a:t>
-            </a:r>
-            <a:r>
-              <a:rPr lang="en-US" sz="8000" dirty="0" smtClean="0">
-                <a:latin typeface="Times New Roman" panose="02020603050405020304" pitchFamily="18" charset="0"/>
-                <a:cs typeface="Times New Roman" panose="02020603050405020304" pitchFamily="18" charset="0"/>
-              </a:rPr>
-              <a:t> was designed </a:t>
-            </a:r>
-            <a:r>
-              <a:rPr lang="en-US" sz="8000" dirty="0">
-                <a:latin typeface="Times New Roman" panose="02020603050405020304" pitchFamily="18" charset="0"/>
-                <a:cs typeface="Times New Roman" panose="02020603050405020304" pitchFamily="18" charset="0"/>
-              </a:rPr>
-              <a:t>to simplify </a:t>
-            </a:r>
-            <a:r>
-              <a:rPr lang="en-US" sz="8000" b="1" dirty="0">
-                <a:latin typeface="Times New Roman" panose="02020603050405020304" pitchFamily="18" charset="0"/>
-                <a:cs typeface="Times New Roman" panose="02020603050405020304" pitchFamily="18" charset="0"/>
-              </a:rPr>
-              <a:t>Java</a:t>
-            </a:r>
-            <a:r>
-              <a:rPr lang="en-US" sz="8000" dirty="0">
-                <a:latin typeface="Times New Roman" panose="02020603050405020304" pitchFamily="18" charset="0"/>
-                <a:cs typeface="Times New Roman" panose="02020603050405020304" pitchFamily="18" charset="0"/>
-              </a:rPr>
-              <a:t> EE development and make developers more productive. </a:t>
-            </a:r>
-            <a:r>
-              <a:rPr lang="en-US" sz="8000" b="1" dirty="0">
-                <a:latin typeface="Times New Roman" panose="02020603050405020304" pitchFamily="18" charset="0"/>
-                <a:cs typeface="Times New Roman" panose="02020603050405020304" pitchFamily="18" charset="0"/>
-              </a:rPr>
-              <a:t>Spring</a:t>
-            </a:r>
-            <a:r>
-              <a:rPr lang="en-US" sz="8000" dirty="0">
-                <a:latin typeface="Times New Roman" panose="02020603050405020304" pitchFamily="18" charset="0"/>
-                <a:cs typeface="Times New Roman" panose="02020603050405020304" pitchFamily="18" charset="0"/>
-              </a:rPr>
-              <a:t> makes </a:t>
-            </a:r>
-            <a:r>
-              <a:rPr lang="en-US" sz="8000" b="1" dirty="0">
-                <a:latin typeface="Times New Roman" panose="02020603050405020304" pitchFamily="18" charset="0"/>
-                <a:cs typeface="Times New Roman" panose="02020603050405020304" pitchFamily="18" charset="0"/>
-              </a:rPr>
-              <a:t>use</a:t>
-            </a:r>
-            <a:r>
-              <a:rPr lang="en-US" sz="8000" dirty="0">
-                <a:latin typeface="Times New Roman" panose="02020603050405020304" pitchFamily="18" charset="0"/>
-                <a:cs typeface="Times New Roman" panose="02020603050405020304" pitchFamily="18" charset="0"/>
-              </a:rPr>
-              <a:t> of Inversion of Control and Dependency Injection to promote good software coding practices and speed up development </a:t>
-            </a:r>
-            <a:r>
-              <a:rPr lang="en-US" sz="8000" dirty="0" smtClean="0">
-                <a:latin typeface="Times New Roman" panose="02020603050405020304" pitchFamily="18" charset="0"/>
-                <a:cs typeface="Times New Roman" panose="02020603050405020304" pitchFamily="18" charset="0"/>
-              </a:rPr>
-              <a:t>time.</a:t>
-            </a:r>
-          </a:p>
-          <a:p>
-            <a:pPr algn="just">
-              <a:lnSpc>
-                <a:spcPct val="170000"/>
-              </a:lnSpc>
-            </a:pPr>
-            <a:r>
-              <a:rPr lang="en-US" sz="8000" dirty="0">
-                <a:latin typeface="Times New Roman" panose="02020603050405020304" pitchFamily="18" charset="0"/>
-                <a:cs typeface="Times New Roman" panose="02020603050405020304" pitchFamily="18" charset="0"/>
-              </a:rPr>
-              <a:t>Java-based configuration option helps you to write most of your Spring configuration without XML but with the aid of only a few Java-based annotations</a:t>
-            </a:r>
-            <a:r>
-              <a:rPr lang="en-US" sz="8000" dirty="0" smtClean="0">
-                <a:latin typeface="Times New Roman" panose="02020603050405020304" pitchFamily="18" charset="0"/>
-                <a:cs typeface="Times New Roman" panose="02020603050405020304" pitchFamily="18" charset="0"/>
-              </a:rPr>
-              <a:t>.</a:t>
-            </a:r>
-          </a:p>
-          <a:p>
-            <a:pPr algn="just"/>
-            <a:endParaRPr lang="en-US" sz="5000" dirty="0" smtClean="0">
-              <a:latin typeface="Times New Roman" panose="02020603050405020304" pitchFamily="18" charset="0"/>
-              <a:cs typeface="Times New Roman" panose="02020603050405020304" pitchFamily="18" charset="0"/>
-            </a:endParaRPr>
-          </a:p>
-          <a:p>
-            <a:endParaRPr lang="en-US" dirty="0" smtClean="0"/>
-          </a:p>
-          <a:p>
-            <a:endParaRPr lang="en-US" dirty="0" smtClean="0"/>
-          </a:p>
-          <a:p>
-            <a:endParaRPr lang="en-US" dirty="0"/>
-          </a:p>
-          <a:p>
-            <a:endParaRPr lang="en-US" dirty="0" smtClean="0"/>
-          </a:p>
-          <a:p>
-            <a:endParaRPr lang="en-US" dirty="0"/>
-          </a:p>
-          <a:p>
-            <a:endParaRPr lang="en-US" dirty="0" smtClean="0"/>
-          </a:p>
-          <a:p>
-            <a:endParaRPr lang="en-US" dirty="0"/>
-          </a:p>
-        </p:txBody>
-      </p:sp>
-    </p:spTree>
-    <p:extLst>
-      <p:ext uri="{BB962C8B-B14F-4D97-AF65-F5344CB8AC3E}">
-        <p14:creationId xmlns:p14="http://schemas.microsoft.com/office/powerpoint/2010/main" val="3496205459"/>
-      </p:ext>
-    </p:extLst>
-  </p:cSld>
-  <p:clrMapOvr>
-    <a:masterClrMapping/>
-  </p:clrMapOvr>
-</p:sld>
-</file>
-
-<file path=ppt/slides/slide30.xml><?xml version="1.0" encoding="utf-8"?>
-<p:sld xmlns:a="http://schemas.openxmlformats.org/drawingml/2006/main" xmlns:r="http://schemas.openxmlformats.org/officeDocument/2006/relationships" xmlns:p="http://schemas.openxmlformats.org/presentationml/2006/main">
-  <p:cSld>
-    <p:spTree>
-      <p:nvGrpSpPr>
-        <p:cNvPr id="1" name=""/>
-        <p:cNvGrpSpPr/>
-        <p:nvPr/>
-      </p:nvGrpSpPr>
-      <p:grpSpPr>
-        <a:xfrm>
-          <a:off x="0" y="0"/>
-          <a:ext cx="0" cy="0"/>
-          <a:chOff x="0" y="0"/>
-          <a:chExt cx="0" cy="0"/>
-        </a:xfrm>
-      </p:grpSpPr>
-      <p:sp>
-        <p:nvSpPr>
-          <p:cNvPr id="2" name="Title 1"/>
-          <p:cNvSpPr>
-            <a:spLocks noGrp="1"/>
-          </p:cNvSpPr>
-          <p:nvPr>
-            <p:ph type="title"/>
-          </p:nvPr>
-        </p:nvSpPr>
-        <p:spPr/>
-        <p:txBody>
-          <a:bodyPr/>
-          <a:lstStyle/>
-          <a:p>
-            <a:r>
-              <a:rPr lang="en-US" dirty="0" smtClean="0"/>
-              <a:t> </a:t>
-            </a:r>
-            <a:endParaRPr lang="en-US" dirty="0"/>
-          </a:p>
-        </p:txBody>
-      </p:sp>
-      <p:pic>
-        <p:nvPicPr>
-          <p:cNvPr id="5" name="Picture Placeholder 4"/>
-          <p:cNvPicPr>
-            <a:picLocks noGrp="1" noChangeAspect="1"/>
-          </p:cNvPicPr>
-          <p:nvPr>
-            <p:ph type="pic" idx="1"/>
-          </p:nvPr>
-        </p:nvPicPr>
-        <p:blipFill>
-          <a:blip r:embed="rId2">
-            <a:extLst>
-              <a:ext uri="{28A0092B-C50C-407E-A947-70E740481C1C}">
-                <a14:useLocalDpi xmlns:a14="http://schemas.microsoft.com/office/drawing/2010/main" val="0"/>
-              </a:ext>
-            </a:extLst>
-          </a:blip>
-          <a:srcRect l="12140" r="12140"/>
-          <a:stretch>
-            <a:fillRect/>
-          </a:stretch>
-        </p:blipFill>
-        <p:spPr>
-          <a:xfrm>
-            <a:off x="7289075" y="418011"/>
-            <a:ext cx="4167052" cy="5590903"/>
-          </a:xfrm>
-        </p:spPr>
-      </p:pic>
-      <p:sp>
-        <p:nvSpPr>
-          <p:cNvPr id="4" name="Text Placeholder 3"/>
-          <p:cNvSpPr>
-            <a:spLocks noGrp="1"/>
-          </p:cNvSpPr>
-          <p:nvPr>
-            <p:ph type="body" sz="half" idx="2"/>
-          </p:nvPr>
-        </p:nvSpPr>
-        <p:spPr>
-          <a:xfrm>
-            <a:off x="1482724" y="1188720"/>
-            <a:ext cx="5426158" cy="3764279"/>
-          </a:xfrm>
-        </p:spPr>
-        <p:txBody>
-          <a:bodyPr>
-            <a:normAutofit/>
-          </a:bodyPr>
-          <a:lstStyle/>
-          <a:p>
-            <a:r>
-              <a:rPr lang="en-US" sz="2000" dirty="0">
-                <a:latin typeface="Times New Roman" panose="02020603050405020304" pitchFamily="18" charset="0"/>
-                <a:cs typeface="Times New Roman" panose="02020603050405020304" pitchFamily="18" charset="0"/>
-              </a:rPr>
-              <a:t>Service URL It is a simple client server architecture which various UI clients such as Spring Boot CLI , IDE or official web UI talk to the same backend HTTP API that actually generates the spring starter project. </a:t>
-            </a:r>
-            <a:r>
-              <a:rPr lang="en-US" sz="2000" dirty="0" smtClean="0">
-                <a:latin typeface="Times New Roman" panose="02020603050405020304" pitchFamily="18" charset="0"/>
-                <a:cs typeface="Times New Roman" panose="02020603050405020304" pitchFamily="18" charset="0"/>
-              </a:rPr>
-              <a:t>is the spring initialization</a:t>
-            </a:r>
-          </a:p>
-          <a:p>
-            <a:r>
-              <a:rPr lang="en-US" sz="2000" dirty="0" smtClean="0">
-                <a:latin typeface="Times New Roman" panose="02020603050405020304" pitchFamily="18" charset="0"/>
-                <a:cs typeface="Times New Roman" panose="02020603050405020304" pitchFamily="18" charset="0"/>
-              </a:rPr>
-              <a:t>Name of the group.</a:t>
-            </a:r>
-          </a:p>
-          <a:p>
-            <a:r>
-              <a:rPr lang="en-US" sz="2000" dirty="0" smtClean="0">
-                <a:latin typeface="Times New Roman" panose="02020603050405020304" pitchFamily="18" charset="0"/>
-                <a:cs typeface="Times New Roman" panose="02020603050405020304" pitchFamily="18" charset="0"/>
-              </a:rPr>
-              <a:t>Package name and the group name have to be same.</a:t>
-            </a:r>
-          </a:p>
-          <a:p>
-            <a:endParaRPr lang="en-US" sz="2000" dirty="0">
-              <a:latin typeface="Times New Roman" panose="02020603050405020304" pitchFamily="18" charset="0"/>
-              <a:cs typeface="Times New Roman" panose="02020603050405020304" pitchFamily="18" charset="0"/>
-            </a:endParaRPr>
-          </a:p>
-        </p:txBody>
-      </p:sp>
-    </p:spTree>
-    <p:extLst>
-      <p:ext uri="{BB962C8B-B14F-4D97-AF65-F5344CB8AC3E}">
-        <p14:creationId xmlns:p14="http://schemas.microsoft.com/office/powerpoint/2010/main" val="3220321360"/>
-      </p:ext>
-    </p:extLst>
-  </p:cSld>
-  <p:clrMapOvr>
-    <a:masterClrMapping/>
-  </p:clrMapOvr>
-</p:sld>
-</file>
-
 <file path=ppt/slides/slide31.xml><?xml version="1.0" encoding="utf-8"?>
 <p:sld xmlns:a="http://schemas.openxmlformats.org/drawingml/2006/main" xmlns:r="http://schemas.openxmlformats.org/officeDocument/2006/relationships" xmlns:p="http://schemas.openxmlformats.org/presentationml/2006/main">
   <p:cSld>
@@ -8580,7 +8669,7 @@
       </p:grpSpPr>
       <p:sp>
         <p:nvSpPr>
-          <p:cNvPr id="9" name="Title 8"/>
+          <p:cNvPr id="2" name="Title 1"/>
           <p:cNvSpPr>
             <a:spLocks noGrp="1"/>
           </p:cNvSpPr>
@@ -8595,91 +8684,48 @@
           <a:p>
             <a:r>
               <a:rPr lang="en-US" dirty="0" smtClean="0"/>
-              <a:t> </a:t>
+              <a:t>conclusion</a:t>
             </a:r>
             <a:endParaRPr lang="en-US" dirty="0"/>
           </a:p>
         </p:txBody>
       </p:sp>
-      <p:pic>
-        <p:nvPicPr>
-          <p:cNvPr id="5" name="Picture Placeholder 4"/>
-          <p:cNvPicPr>
-            <a:picLocks noGrp="1" noChangeAspect="1"/>
-          </p:cNvPicPr>
-          <p:nvPr>
-            <p:ph type="pic" idx="1"/>
-          </p:nvPr>
-        </p:nvPicPr>
-        <p:blipFill>
-          <a:blip r:embed="rId2">
-            <a:extLst>
-              <a:ext uri="{28A0092B-C50C-407E-A947-70E740481C1C}">
-                <a14:useLocalDpi xmlns:a14="http://schemas.microsoft.com/office/drawing/2010/main" val="0"/>
-              </a:ext>
-            </a:extLst>
-          </a:blip>
-          <a:srcRect l="17360" r="17360"/>
-          <a:stretch>
-            <a:fillRect/>
-          </a:stretch>
-        </p:blipFill>
-        <p:spPr>
-          <a:xfrm>
-            <a:off x="7594681" y="414972"/>
-            <a:ext cx="4344770" cy="5437188"/>
-          </a:xfrm>
-        </p:spPr>
-      </p:pic>
-      <p:sp>
-        <p:nvSpPr>
-          <p:cNvPr id="10" name="Text Placeholder 9"/>
-          <p:cNvSpPr>
-            <a:spLocks noGrp="1"/>
-          </p:cNvSpPr>
-          <p:nvPr>
-            <p:ph type="body" sz="half" idx="2"/>
-          </p:nvPr>
-        </p:nvSpPr>
-        <p:spPr>
-          <a:xfrm>
-            <a:off x="1482724" y="1632857"/>
-            <a:ext cx="5426158" cy="3320142"/>
-          </a:xfrm>
-        </p:spPr>
-        <p:txBody>
-          <a:bodyPr>
-            <a:normAutofit/>
-          </a:bodyPr>
+      <p:sp>
+        <p:nvSpPr>
+          <p:cNvPr id="3" name="Content Placeholder 2"/>
+          <p:cNvSpPr>
+            <a:spLocks noGrp="1"/>
+          </p:cNvSpPr>
+          <p:nvPr>
+            <p:ph idx="1"/>
+          </p:nvPr>
+        </p:nvSpPr>
+        <p:spPr/>
+        <p:txBody>
+          <a:bodyPr/>
           <a:lstStyle/>
           <a:p>
             <a:r>
-              <a:rPr lang="en-US" sz="2400" dirty="0" smtClean="0">
-                <a:latin typeface="Times New Roman" panose="02020603050405020304" pitchFamily="18" charset="0"/>
-                <a:cs typeface="Times New Roman" panose="02020603050405020304" pitchFamily="18" charset="0"/>
-              </a:rPr>
-              <a:t>In this we select the dependency for the spring boot project for this we have to add spring web.</a:t>
-            </a:r>
-          </a:p>
-          <a:p>
-            <a:r>
-              <a:rPr lang="en-US" sz="2400" dirty="0" smtClean="0">
-                <a:latin typeface="Times New Roman" panose="02020603050405020304" pitchFamily="18" charset="0"/>
-                <a:cs typeface="Times New Roman" panose="02020603050405020304" pitchFamily="18" charset="0"/>
-              </a:rPr>
-              <a:t>It is the implementation of Spring MVC.</a:t>
-            </a:r>
-            <a:endParaRPr lang="en-US" sz="2400" dirty="0">
-              <a:latin typeface="Times New Roman" panose="02020603050405020304" pitchFamily="18" charset="0"/>
-              <a:cs typeface="Times New Roman" panose="02020603050405020304" pitchFamily="18" charset="0"/>
-            </a:endParaRPr>
+              <a:rPr lang="en-US" dirty="0" smtClean="0"/>
+              <a:t>We </a:t>
+            </a:r>
+            <a:r>
+              <a:rPr lang="en-US" dirty="0" smtClean="0"/>
+              <a:t>have Successfully run our application in Spring boot using REST services</a:t>
+            </a:r>
+          </a:p>
+          <a:p>
+            <a:r>
+              <a:rPr lang="en-US" dirty="0" smtClean="0"/>
+              <a:t>With the help of tomcat server we have hosted it locally and were able to display our web page.</a:t>
+            </a:r>
           </a:p>
         </p:txBody>
       </p:sp>
     </p:spTree>
     <p:extLst>
       <p:ext uri="{BB962C8B-B14F-4D97-AF65-F5344CB8AC3E}">
-        <p14:creationId xmlns:p14="http://schemas.microsoft.com/office/powerpoint/2010/main" val="3124991121"/>
+        <p14:creationId xmlns:p14="http://schemas.microsoft.com/office/powerpoint/2010/main" val="864600375"/>
       </p:ext>
     </p:extLst>
   </p:cSld>
@@ -8723,7 +8769,7 @@
           <a:p>
             <a:r>
               <a:rPr lang="en-US" dirty="0" smtClean="0"/>
-              <a:t>working</a:t>
+              <a:t>References</a:t>
             </a:r>
             <a:endParaRPr lang="en-US" dirty="0"/>
           </a:p>
@@ -8744,705 +8790,7 @@
           <a:bodyPr/>
           <a:lstStyle/>
           <a:p>
-            <a:endParaRPr lang="en-US"/>
-          </a:p>
-        </p:txBody>
-      </p:sp>
-    </p:spTree>
-    <p:extLst>
-      <p:ext uri="{BB962C8B-B14F-4D97-AF65-F5344CB8AC3E}">
-        <p14:creationId xmlns:p14="http://schemas.microsoft.com/office/powerpoint/2010/main" val="1581552892"/>
-      </p:ext>
-    </p:extLst>
-  </p:cSld>
-  <p:clrMapOvr>
-    <a:masterClrMapping/>
-  </p:clrMapOvr>
-</p:sld>
-</file>
-
-<file path=ppt/slides/slide33.xml><?xml version="1.0" encoding="utf-8"?>
-<p:sld xmlns:a="http://schemas.openxmlformats.org/drawingml/2006/main" xmlns:r="http://schemas.openxmlformats.org/officeDocument/2006/relationships" xmlns:p="http://schemas.openxmlformats.org/presentationml/2006/main">
-  <p:cSld>
-    <p:spTree>
-      <p:nvGrpSpPr>
-        <p:cNvPr id="1" name=""/>
-        <p:cNvGrpSpPr/>
-        <p:nvPr/>
-      </p:nvGrpSpPr>
-      <p:grpSpPr>
-        <a:xfrm>
-          <a:off x="0" y="0"/>
-          <a:ext cx="0" cy="0"/>
-          <a:chOff x="0" y="0"/>
-          <a:chExt cx="0" cy="0"/>
-        </a:xfrm>
-      </p:grpSpPr>
-      <p:sp>
-        <p:nvSpPr>
-          <p:cNvPr id="2" name="Title 1"/>
-          <p:cNvSpPr>
-            <a:spLocks noGrp="1"/>
-          </p:cNvSpPr>
-          <p:nvPr>
-            <p:ph type="title"/>
-          </p:nvPr>
-        </p:nvSpPr>
-        <p:spPr>
-          <a:xfrm>
-            <a:off x="1484311" y="685800"/>
-            <a:ext cx="10018713" cy="1012371"/>
-          </a:xfrm>
-        </p:spPr>
-        <p:txBody>
-          <a:bodyPr/>
-          <a:lstStyle/>
-          <a:p>
-            <a:r>
-              <a:rPr lang="en-US" dirty="0" smtClean="0"/>
-              <a:t>Web controller</a:t>
-            </a:r>
             <a:endParaRPr lang="en-US" dirty="0"/>
-          </a:p>
-        </p:txBody>
-      </p:sp>
-      <p:sp>
-        <p:nvSpPr>
-          <p:cNvPr id="3" name="Content Placeholder 2"/>
-          <p:cNvSpPr>
-            <a:spLocks noGrp="1"/>
-          </p:cNvSpPr>
-          <p:nvPr>
-            <p:ph idx="1"/>
-          </p:nvPr>
-        </p:nvSpPr>
-        <p:spPr>
-          <a:xfrm>
-            <a:off x="1484310" y="1698171"/>
-            <a:ext cx="10018713" cy="4093029"/>
-          </a:xfrm>
-        </p:spPr>
-        <p:txBody>
-          <a:bodyPr/>
-          <a:lstStyle/>
-          <a:p>
-            <a:endParaRPr lang="en-US" dirty="0"/>
-          </a:p>
-          <a:p>
-            <a:r>
-              <a:rPr lang="en-US" b="1" dirty="0"/>
-              <a:t>Web</a:t>
-            </a:r>
-            <a:r>
-              <a:rPr lang="en-US" dirty="0"/>
-              <a:t> API </a:t>
-            </a:r>
-            <a:r>
-              <a:rPr lang="en-US" b="1" dirty="0"/>
-              <a:t>Controller</a:t>
-            </a:r>
-            <a:r>
-              <a:rPr lang="en-US" dirty="0"/>
-              <a:t>. ... </a:t>
-            </a:r>
-            <a:r>
-              <a:rPr lang="en-US" b="1" dirty="0"/>
-              <a:t>Web</a:t>
-            </a:r>
-            <a:r>
-              <a:rPr lang="en-US" dirty="0"/>
-              <a:t> API </a:t>
-            </a:r>
-            <a:r>
-              <a:rPr lang="en-US" b="1" dirty="0"/>
-              <a:t>Controller</a:t>
-            </a:r>
-            <a:r>
-              <a:rPr lang="en-US" dirty="0"/>
-              <a:t> is similar to ASP.NET MVC </a:t>
-            </a:r>
-            <a:r>
-              <a:rPr lang="en-US" b="1" dirty="0"/>
-              <a:t>controller</a:t>
-            </a:r>
-            <a:r>
-              <a:rPr lang="en-US" dirty="0"/>
-              <a:t>. It handles incoming HTTP requests and send response back to the caller. </a:t>
-            </a:r>
-            <a:r>
-              <a:rPr lang="en-US" b="1" dirty="0"/>
-              <a:t>Web</a:t>
-            </a:r>
-            <a:r>
-              <a:rPr lang="en-US" dirty="0"/>
-              <a:t> API </a:t>
-            </a:r>
-            <a:r>
-              <a:rPr lang="en-US" b="1" dirty="0"/>
-              <a:t>controller</a:t>
-            </a:r>
-            <a:r>
-              <a:rPr lang="en-US" dirty="0"/>
-              <a:t> is a class which can be created under the </a:t>
-            </a:r>
-            <a:r>
-              <a:rPr lang="en-US" b="1" dirty="0"/>
-              <a:t>Controllers</a:t>
-            </a:r>
-            <a:r>
-              <a:rPr lang="en-US" dirty="0"/>
-              <a:t> folder or any other folder under your project's root folder.</a:t>
-            </a:r>
-          </a:p>
-        </p:txBody>
-      </p:sp>
-    </p:spTree>
-    <p:extLst>
-      <p:ext uri="{BB962C8B-B14F-4D97-AF65-F5344CB8AC3E}">
-        <p14:creationId xmlns:p14="http://schemas.microsoft.com/office/powerpoint/2010/main" val="2637033806"/>
-      </p:ext>
-    </p:extLst>
-  </p:cSld>
-  <p:clrMapOvr>
-    <a:masterClrMapping/>
-  </p:clrMapOvr>
-</p:sld>
-</file>
-
-<file path=ppt/slides/slide34.xml><?xml version="1.0" encoding="utf-8"?>
-<p:sld xmlns:a="http://schemas.openxmlformats.org/drawingml/2006/main" xmlns:r="http://schemas.openxmlformats.org/officeDocument/2006/relationships" xmlns:p="http://schemas.openxmlformats.org/presentationml/2006/main">
-  <p:cSld>
-    <p:spTree>
-      <p:nvGrpSpPr>
-        <p:cNvPr id="1" name=""/>
-        <p:cNvGrpSpPr/>
-        <p:nvPr/>
-      </p:nvGrpSpPr>
-      <p:grpSpPr>
-        <a:xfrm>
-          <a:off x="0" y="0"/>
-          <a:ext cx="0" cy="0"/>
-          <a:chOff x="0" y="0"/>
-          <a:chExt cx="0" cy="0"/>
-        </a:xfrm>
-      </p:grpSpPr>
-      <p:sp>
-        <p:nvSpPr>
-          <p:cNvPr id="7" name="Title 6"/>
-          <p:cNvSpPr>
-            <a:spLocks noGrp="1"/>
-          </p:cNvSpPr>
-          <p:nvPr>
-            <p:ph type="title"/>
-          </p:nvPr>
-        </p:nvSpPr>
-        <p:spPr>
-          <a:xfrm>
-            <a:off x="1484311" y="287383"/>
-            <a:ext cx="10018713" cy="1110344"/>
-          </a:xfrm>
-        </p:spPr>
-        <p:txBody>
-          <a:bodyPr/>
-          <a:lstStyle/>
-          <a:p>
-            <a:r>
-              <a:rPr lang="en-US" dirty="0" smtClean="0"/>
-              <a:t> Installing Spring boot in eclipse</a:t>
-            </a:r>
-            <a:endParaRPr lang="en-US" dirty="0"/>
-          </a:p>
-        </p:txBody>
-      </p:sp>
-      <p:pic>
-        <p:nvPicPr>
-          <p:cNvPr id="9" name="Content Placeholder 8"/>
-          <p:cNvPicPr>
-            <a:picLocks noGrp="1" noChangeAspect="1"/>
-          </p:cNvPicPr>
-          <p:nvPr>
-            <p:ph idx="1"/>
-          </p:nvPr>
-        </p:nvPicPr>
-        <p:blipFill>
-          <a:blip r:embed="rId2" cstate="print">
-            <a:extLst>
-              <a:ext uri="{28A0092B-C50C-407E-A947-70E740481C1C}">
-                <a14:useLocalDpi xmlns:a14="http://schemas.microsoft.com/office/drawing/2010/main" val="0"/>
-              </a:ext>
-            </a:extLst>
-          </a:blip>
-          <a:stretch>
-            <a:fillRect/>
-          </a:stretch>
-        </p:blipFill>
-        <p:spPr>
-          <a:xfrm>
-            <a:off x="2280896" y="1528355"/>
-            <a:ext cx="8425542" cy="4767942"/>
-          </a:xfrm>
-        </p:spPr>
-      </p:pic>
-    </p:spTree>
-    <p:extLst>
-      <p:ext uri="{BB962C8B-B14F-4D97-AF65-F5344CB8AC3E}">
-        <p14:creationId xmlns:p14="http://schemas.microsoft.com/office/powerpoint/2010/main" val="3828735909"/>
-      </p:ext>
-    </p:extLst>
-  </p:cSld>
-  <p:clrMapOvr>
-    <a:masterClrMapping/>
-  </p:clrMapOvr>
-</p:sld>
-</file>
-
-<file path=ppt/slides/slide35.xml><?xml version="1.0" encoding="utf-8"?>
-<p:sld xmlns:a="http://schemas.openxmlformats.org/drawingml/2006/main" xmlns:r="http://schemas.openxmlformats.org/officeDocument/2006/relationships" xmlns:p="http://schemas.openxmlformats.org/presentationml/2006/main">
-  <p:cSld>
-    <p:spTree>
-      <p:nvGrpSpPr>
-        <p:cNvPr id="1" name=""/>
-        <p:cNvGrpSpPr/>
-        <p:nvPr/>
-      </p:nvGrpSpPr>
-      <p:grpSpPr>
-        <a:xfrm>
-          <a:off x="0" y="0"/>
-          <a:ext cx="0" cy="0"/>
-          <a:chOff x="0" y="0"/>
-          <a:chExt cx="0" cy="0"/>
-        </a:xfrm>
-      </p:grpSpPr>
-      <p:sp>
-        <p:nvSpPr>
-          <p:cNvPr id="2" name="Title 1"/>
-          <p:cNvSpPr>
-            <a:spLocks noGrp="1"/>
-          </p:cNvSpPr>
-          <p:nvPr>
-            <p:ph type="title"/>
-          </p:nvPr>
-        </p:nvSpPr>
-        <p:spPr>
-          <a:xfrm>
-            <a:off x="1484311" y="391886"/>
-            <a:ext cx="10018713" cy="1084217"/>
-          </a:xfrm>
-        </p:spPr>
-        <p:txBody>
-          <a:bodyPr/>
-          <a:lstStyle/>
-          <a:p>
-            <a:r>
-              <a:rPr lang="en-US" dirty="0"/>
-              <a:t> </a:t>
-            </a:r>
-          </a:p>
-        </p:txBody>
-      </p:sp>
-      <p:pic>
-        <p:nvPicPr>
-          <p:cNvPr id="4" name="Content Placeholder 3"/>
-          <p:cNvPicPr>
-            <a:picLocks noGrp="1" noChangeAspect="1"/>
-          </p:cNvPicPr>
-          <p:nvPr>
-            <p:ph idx="1"/>
-          </p:nvPr>
-        </p:nvPicPr>
-        <p:blipFill>
-          <a:blip r:embed="rId2" cstate="print">
-            <a:extLst>
-              <a:ext uri="{28A0092B-C50C-407E-A947-70E740481C1C}">
-                <a14:useLocalDpi xmlns:a14="http://schemas.microsoft.com/office/drawing/2010/main" val="0"/>
-              </a:ext>
-            </a:extLst>
-          </a:blip>
-          <a:stretch>
-            <a:fillRect/>
-          </a:stretch>
-        </p:blipFill>
-        <p:spPr>
-          <a:xfrm>
-            <a:off x="1841863" y="875212"/>
-            <a:ext cx="8858043" cy="5042264"/>
-          </a:xfrm>
-        </p:spPr>
-      </p:pic>
-    </p:spTree>
-    <p:extLst>
-      <p:ext uri="{BB962C8B-B14F-4D97-AF65-F5344CB8AC3E}">
-        <p14:creationId xmlns:p14="http://schemas.microsoft.com/office/powerpoint/2010/main" val="3706827208"/>
-      </p:ext>
-    </p:extLst>
-  </p:cSld>
-  <p:clrMapOvr>
-    <a:masterClrMapping/>
-  </p:clrMapOvr>
-</p:sld>
-</file>
-
-<file path=ppt/slides/slide36.xml><?xml version="1.0" encoding="utf-8"?>
-<p:sld xmlns:a="http://schemas.openxmlformats.org/drawingml/2006/main" xmlns:r="http://schemas.openxmlformats.org/officeDocument/2006/relationships" xmlns:p="http://schemas.openxmlformats.org/presentationml/2006/main">
-  <p:cSld>
-    <p:spTree>
-      <p:nvGrpSpPr>
-        <p:cNvPr id="1" name=""/>
-        <p:cNvGrpSpPr/>
-        <p:nvPr/>
-      </p:nvGrpSpPr>
-      <p:grpSpPr>
-        <a:xfrm>
-          <a:off x="0" y="0"/>
-          <a:ext cx="0" cy="0"/>
-          <a:chOff x="0" y="0"/>
-          <a:chExt cx="0" cy="0"/>
-        </a:xfrm>
-      </p:grpSpPr>
-      <p:sp>
-        <p:nvSpPr>
-          <p:cNvPr id="2" name="Title 1"/>
-          <p:cNvSpPr>
-            <a:spLocks noGrp="1"/>
-          </p:cNvSpPr>
-          <p:nvPr>
-            <p:ph type="title"/>
-          </p:nvPr>
-        </p:nvSpPr>
-        <p:spPr/>
-        <p:txBody>
-          <a:bodyPr/>
-          <a:lstStyle/>
-          <a:p>
-            <a:r>
-              <a:rPr lang="en-US" dirty="0" smtClean="0"/>
-              <a:t> </a:t>
-            </a:r>
-            <a:endParaRPr lang="en-US" dirty="0"/>
-          </a:p>
-        </p:txBody>
-      </p:sp>
-      <p:pic>
-        <p:nvPicPr>
-          <p:cNvPr id="4" name="Content Placeholder 3"/>
-          <p:cNvPicPr>
-            <a:picLocks noGrp="1" noChangeAspect="1"/>
-          </p:cNvPicPr>
-          <p:nvPr>
-            <p:ph idx="1"/>
-          </p:nvPr>
-        </p:nvPicPr>
-        <p:blipFill>
-          <a:blip r:embed="rId2" cstate="print">
-            <a:extLst>
-              <a:ext uri="{28A0092B-C50C-407E-A947-70E740481C1C}">
-                <a14:useLocalDpi xmlns:a14="http://schemas.microsoft.com/office/drawing/2010/main" val="0"/>
-              </a:ext>
-            </a:extLst>
-          </a:blip>
-          <a:stretch>
-            <a:fillRect/>
-          </a:stretch>
-        </p:blipFill>
-        <p:spPr>
-          <a:xfrm>
-            <a:off x="1828800" y="522515"/>
-            <a:ext cx="9339943" cy="5499462"/>
-          </a:xfrm>
-        </p:spPr>
-      </p:pic>
-    </p:spTree>
-    <p:extLst>
-      <p:ext uri="{BB962C8B-B14F-4D97-AF65-F5344CB8AC3E}">
-        <p14:creationId xmlns:p14="http://schemas.microsoft.com/office/powerpoint/2010/main" val="2809040994"/>
-      </p:ext>
-    </p:extLst>
-  </p:cSld>
-  <p:clrMapOvr>
-    <a:masterClrMapping/>
-  </p:clrMapOvr>
-</p:sld>
-</file>
-
-<file path=ppt/slides/slide37.xml><?xml version="1.0" encoding="utf-8"?>
-<p:sld xmlns:a="http://schemas.openxmlformats.org/drawingml/2006/main" xmlns:r="http://schemas.openxmlformats.org/officeDocument/2006/relationships" xmlns:p="http://schemas.openxmlformats.org/presentationml/2006/main">
-  <p:cSld>
-    <p:spTree>
-      <p:nvGrpSpPr>
-        <p:cNvPr id="1" name=""/>
-        <p:cNvGrpSpPr/>
-        <p:nvPr/>
-      </p:nvGrpSpPr>
-      <p:grpSpPr>
-        <a:xfrm>
-          <a:off x="0" y="0"/>
-          <a:ext cx="0" cy="0"/>
-          <a:chOff x="0" y="0"/>
-          <a:chExt cx="0" cy="0"/>
-        </a:xfrm>
-      </p:grpSpPr>
-      <p:sp>
-        <p:nvSpPr>
-          <p:cNvPr id="2" name="Title 1"/>
-          <p:cNvSpPr>
-            <a:spLocks noGrp="1"/>
-          </p:cNvSpPr>
-          <p:nvPr>
-            <p:ph type="title"/>
-          </p:nvPr>
-        </p:nvSpPr>
-        <p:spPr/>
-        <p:txBody>
-          <a:bodyPr/>
-          <a:lstStyle/>
-          <a:p>
-            <a:r>
-              <a:rPr lang="en-US" dirty="0" smtClean="0"/>
-              <a:t>Advantages and uses</a:t>
-            </a:r>
-            <a:endParaRPr lang="en-US" dirty="0"/>
-          </a:p>
-        </p:txBody>
-      </p:sp>
-      <p:sp>
-        <p:nvSpPr>
-          <p:cNvPr id="3" name="Content Placeholder 2"/>
-          <p:cNvSpPr>
-            <a:spLocks noGrp="1"/>
-          </p:cNvSpPr>
-          <p:nvPr>
-            <p:ph idx="1"/>
-          </p:nvPr>
-        </p:nvSpPr>
-        <p:spPr/>
-        <p:txBody>
-          <a:bodyPr>
-            <a:normAutofit fontScale="92500" lnSpcReduction="10000"/>
-          </a:bodyPr>
-          <a:lstStyle/>
-          <a:p>
-            <a:r>
-              <a:rPr lang="en-US" b="1" dirty="0"/>
-              <a:t>Spring</a:t>
-            </a:r>
-            <a:r>
-              <a:rPr lang="en-US" dirty="0"/>
-              <a:t> provides a lightweight container that can be activated without using web server or application server software</a:t>
-            </a:r>
-            <a:r>
-              <a:rPr lang="en-US" dirty="0" smtClean="0"/>
-              <a:t>.</a:t>
-            </a:r>
-          </a:p>
-          <a:p>
-            <a:r>
-              <a:rPr lang="en-US" dirty="0"/>
-              <a:t>Spring framework provides generic Transaction Management layer which can be used with or without J2EE(JEE) environment</a:t>
-            </a:r>
-            <a:r>
-              <a:rPr lang="en-US" dirty="0" smtClean="0"/>
-              <a:t>.</a:t>
-            </a:r>
-          </a:p>
-          <a:p>
-            <a:r>
-              <a:rPr lang="en-US" dirty="0"/>
-              <a:t>Spring Container can be used to develop and run test cases outside enterprise container which makes testing much easier</a:t>
-            </a:r>
-            <a:r>
-              <a:rPr lang="en-US" dirty="0" smtClean="0"/>
-              <a:t>.</a:t>
-            </a:r>
-          </a:p>
-          <a:p>
-            <a:r>
-              <a:rPr lang="en-US" b="1" dirty="0"/>
-              <a:t>Spring framework</a:t>
-            </a:r>
-            <a:r>
-              <a:rPr lang="en-US" dirty="0"/>
-              <a:t> is an open source application </a:t>
-            </a:r>
-            <a:r>
-              <a:rPr lang="en-US" b="1" dirty="0"/>
-              <a:t>framework</a:t>
-            </a:r>
-            <a:r>
-              <a:rPr lang="en-US" dirty="0"/>
-              <a:t> and inversion of control container for the Java platform. </a:t>
-            </a:r>
-            <a:endParaRPr lang="en-US" dirty="0" smtClean="0"/>
-          </a:p>
-          <a:p>
-            <a:endParaRPr lang="en-US" dirty="0" smtClean="0"/>
-          </a:p>
-          <a:p>
-            <a:endParaRPr lang="en-US" dirty="0"/>
-          </a:p>
-        </p:txBody>
-      </p:sp>
-    </p:spTree>
-    <p:extLst>
-      <p:ext uri="{BB962C8B-B14F-4D97-AF65-F5344CB8AC3E}">
-        <p14:creationId xmlns:p14="http://schemas.microsoft.com/office/powerpoint/2010/main" val="4133752235"/>
-      </p:ext>
-    </p:extLst>
-  </p:cSld>
-  <p:clrMapOvr>
-    <a:masterClrMapping/>
-  </p:clrMapOvr>
-</p:sld>
-</file>
-
-<file path=ppt/slides/slide38.xml><?xml version="1.0" encoding="utf-8"?>
-<p:sld xmlns:a="http://schemas.openxmlformats.org/drawingml/2006/main" xmlns:r="http://schemas.openxmlformats.org/officeDocument/2006/relationships" xmlns:p="http://schemas.openxmlformats.org/presentationml/2006/main">
-  <p:cSld>
-    <p:spTree>
-      <p:nvGrpSpPr>
-        <p:cNvPr id="1" name=""/>
-        <p:cNvGrpSpPr/>
-        <p:nvPr/>
-      </p:nvGrpSpPr>
-      <p:grpSpPr>
-        <a:xfrm>
-          <a:off x="0" y="0"/>
-          <a:ext cx="0" cy="0"/>
-          <a:chOff x="0" y="0"/>
-          <a:chExt cx="0" cy="0"/>
-        </a:xfrm>
-      </p:grpSpPr>
-      <p:sp>
-        <p:nvSpPr>
-          <p:cNvPr id="2" name="Title 1"/>
-          <p:cNvSpPr>
-            <a:spLocks noGrp="1"/>
-          </p:cNvSpPr>
-          <p:nvPr>
-            <p:ph type="title"/>
-          </p:nvPr>
-        </p:nvSpPr>
-        <p:spPr/>
-        <p:txBody>
-          <a:bodyPr/>
-          <a:lstStyle/>
-          <a:p>
-            <a:r>
-              <a:rPr lang="en-US" dirty="0" smtClean="0"/>
-              <a:t>conclusion</a:t>
-            </a:r>
-            <a:endParaRPr lang="en-US" dirty="0"/>
-          </a:p>
-        </p:txBody>
-      </p:sp>
-      <p:sp>
-        <p:nvSpPr>
-          <p:cNvPr id="3" name="Content Placeholder 2"/>
-          <p:cNvSpPr>
-            <a:spLocks noGrp="1"/>
-          </p:cNvSpPr>
-          <p:nvPr>
-            <p:ph idx="1"/>
-          </p:nvPr>
-        </p:nvSpPr>
-        <p:spPr/>
-        <p:txBody>
-          <a:bodyPr/>
-          <a:lstStyle/>
-          <a:p>
-            <a:r>
-              <a:rPr lang="en-US" dirty="0" smtClean="0"/>
-              <a:t>In this project we are using spring application . So we can create </a:t>
-            </a:r>
-            <a:endParaRPr lang="en-US" dirty="0"/>
-          </a:p>
-          <a:p>
-            <a:r>
-              <a:rPr lang="en-US" dirty="0" smtClean="0"/>
-              <a:t>We have Successfully run our application in Spring boot using REST services</a:t>
-            </a:r>
-          </a:p>
-          <a:p>
-            <a:r>
-              <a:rPr lang="en-US" dirty="0" smtClean="0"/>
-              <a:t>With the help of tomcat server we have hosted it locally and were able to display our </a:t>
-            </a:r>
-            <a:r>
-              <a:rPr lang="en-US" smtClean="0"/>
-              <a:t>web page.</a:t>
-            </a:r>
-            <a:endParaRPr lang="en-US" dirty="0" smtClean="0"/>
-          </a:p>
-        </p:txBody>
-      </p:sp>
-    </p:spTree>
-    <p:extLst>
-      <p:ext uri="{BB962C8B-B14F-4D97-AF65-F5344CB8AC3E}">
-        <p14:creationId xmlns:p14="http://schemas.microsoft.com/office/powerpoint/2010/main" val="864600375"/>
-      </p:ext>
-    </p:extLst>
-  </p:cSld>
-  <p:clrMapOvr>
-    <a:masterClrMapping/>
-  </p:clrMapOvr>
-</p:sld>
-</file>
-
-<file path=ppt/slides/slide39.xml><?xml version="1.0" encoding="utf-8"?>
-<p:sld xmlns:a="http://schemas.openxmlformats.org/drawingml/2006/main" xmlns:r="http://schemas.openxmlformats.org/officeDocument/2006/relationships" xmlns:p="http://schemas.openxmlformats.org/presentationml/2006/main">
-  <p:cSld>
-    <p:spTree>
-      <p:nvGrpSpPr>
-        <p:cNvPr id="1" name=""/>
-        <p:cNvGrpSpPr/>
-        <p:nvPr/>
-      </p:nvGrpSpPr>
-      <p:grpSpPr>
-        <a:xfrm>
-          <a:off x="0" y="0"/>
-          <a:ext cx="0" cy="0"/>
-          <a:chOff x="0" y="0"/>
-          <a:chExt cx="0" cy="0"/>
-        </a:xfrm>
-      </p:grpSpPr>
-      <p:sp>
-        <p:nvSpPr>
-          <p:cNvPr id="2" name="Title 1"/>
-          <p:cNvSpPr>
-            <a:spLocks noGrp="1"/>
-          </p:cNvSpPr>
-          <p:nvPr>
-            <p:ph type="title"/>
-          </p:nvPr>
-        </p:nvSpPr>
-        <p:spPr/>
-        <p:txBody>
-          <a:bodyPr/>
-          <a:lstStyle/>
-          <a:p>
-            <a:r>
-              <a:rPr lang="en-US" dirty="0" smtClean="0"/>
-              <a:t>References</a:t>
-            </a:r>
-            <a:endParaRPr lang="en-US" dirty="0"/>
-          </a:p>
-        </p:txBody>
-      </p:sp>
-      <p:sp>
-        <p:nvSpPr>
-          <p:cNvPr id="3" name="Content Placeholder 2"/>
-          <p:cNvSpPr>
-            <a:spLocks noGrp="1"/>
-          </p:cNvSpPr>
-          <p:nvPr>
-            <p:ph idx="1"/>
-          </p:nvPr>
-        </p:nvSpPr>
-        <p:spPr/>
-        <p:txBody>
-          <a:bodyPr/>
-          <a:lstStyle/>
-          <a:p>
-            <a:endParaRPr lang="en-US"/>
           </a:p>
         </p:txBody>
       </p:sp>
